--- a/no_logo.pptx
+++ b/no_logo.pptx
@@ -4,10 +4,14 @@
   <p:sldMasterIdLst>
     <p:sldMasterId id="2147483648" r:id="rId1"/>
   </p:sldMasterIdLst>
+  <p:notesMasterIdLst>
+    <p:notesMasterId r:id="rId6"/>
+  </p:notesMasterIdLst>
   <p:sldIdLst>
     <p:sldId id="256" r:id="rId2"/>
     <p:sldId id="257" r:id="rId3"/>
     <p:sldId id="258" r:id="rId4"/>
+    <p:sldId id="259" r:id="rId5"/>
   </p:sldIdLst>
   <p:sldSz cx="9144000" cy="6858000" type="screen4x3"/>
   <p:notesSz cx="6858000" cy="9144000"/>
@@ -109,6 +113,502 @@
 </p:presentation>
 </file>
 
+<file path=ppt/notesMasters/notesMaster1.xml><?xml version="1.0" encoding="utf-8"?>
+<p:notesMaster xmlns:a="http://schemas.openxmlformats.org/drawingml/2006/main" xmlns:r="http://schemas.openxmlformats.org/officeDocument/2006/relationships" xmlns:p="http://schemas.openxmlformats.org/presentationml/2006/main">
+  <p:cSld>
+    <p:bg>
+      <p:bgRef idx="1001">
+        <a:schemeClr val="bg1"/>
+      </p:bgRef>
+    </p:bg>
+    <p:spTree>
+      <p:nvGrpSpPr>
+        <p:cNvPr id="1" name=""/>
+        <p:cNvGrpSpPr/>
+        <p:nvPr/>
+      </p:nvGrpSpPr>
+      <p:grpSpPr>
+        <a:xfrm>
+          <a:off x="0" y="0"/>
+          <a:ext cx="0" cy="0"/>
+          <a:chOff x="0" y="0"/>
+          <a:chExt cx="0" cy="0"/>
+        </a:xfrm>
+      </p:grpSpPr>
+      <p:sp>
+        <p:nvSpPr>
+          <p:cNvPr id="2" name="ヘッダー プレースホルダー 1"/>
+          <p:cNvSpPr>
+            <a:spLocks noGrp="1"/>
+          </p:cNvSpPr>
+          <p:nvPr>
+            <p:ph type="hdr" sz="quarter"/>
+          </p:nvPr>
+        </p:nvSpPr>
+        <p:spPr>
+          <a:xfrm>
+            <a:off x="0" y="0"/>
+            <a:ext cx="2971800" cy="457200"/>
+          </a:xfrm>
+          <a:prstGeom prst="rect">
+            <a:avLst/>
+          </a:prstGeom>
+        </p:spPr>
+        <p:txBody>
+          <a:bodyPr vert="horz" lIns="91440" tIns="45720" rIns="91440" bIns="45720" rtlCol="0"/>
+          <a:lstStyle>
+            <a:lvl1pPr algn="l">
+              <a:defRPr sz="1200"/>
+            </a:lvl1pPr>
+          </a:lstStyle>
+          <a:p>
+            <a:endParaRPr kumimoji="1" lang="ja-JP" altLang="en-US"/>
+          </a:p>
+        </p:txBody>
+      </p:sp>
+      <p:sp>
+        <p:nvSpPr>
+          <p:cNvPr id="3" name="日付プレースホルダー 2"/>
+          <p:cNvSpPr>
+            <a:spLocks noGrp="1"/>
+          </p:cNvSpPr>
+          <p:nvPr>
+            <p:ph type="dt" idx="1"/>
+          </p:nvPr>
+        </p:nvSpPr>
+        <p:spPr>
+          <a:xfrm>
+            <a:off x="3884613" y="0"/>
+            <a:ext cx="2971800" cy="457200"/>
+          </a:xfrm>
+          <a:prstGeom prst="rect">
+            <a:avLst/>
+          </a:prstGeom>
+        </p:spPr>
+        <p:txBody>
+          <a:bodyPr vert="horz" lIns="91440" tIns="45720" rIns="91440" bIns="45720" rtlCol="0"/>
+          <a:lstStyle>
+            <a:lvl1pPr algn="r">
+              <a:defRPr sz="1200"/>
+            </a:lvl1pPr>
+          </a:lstStyle>
+          <a:p>
+            <a:fld id="{5DACFE02-16DB-4319-BE21-AE1ACF31538B}" type="datetimeFigureOut">
+              <a:rPr kumimoji="1" lang="ja-JP" altLang="en-US" smtClean="0"/>
+              <a:t>2017/4/12</a:t>
+            </a:fld>
+            <a:endParaRPr kumimoji="1" lang="ja-JP" altLang="en-US"/>
+          </a:p>
+        </p:txBody>
+      </p:sp>
+      <p:sp>
+        <p:nvSpPr>
+          <p:cNvPr id="4" name="スライド イメージ プレースホルダー 3"/>
+          <p:cNvSpPr>
+            <a:spLocks noGrp="1" noRot="1" noChangeAspect="1"/>
+          </p:cNvSpPr>
+          <p:nvPr>
+            <p:ph type="sldImg" idx="2"/>
+          </p:nvPr>
+        </p:nvSpPr>
+        <p:spPr>
+          <a:xfrm>
+            <a:off x="1143000" y="685800"/>
+            <a:ext cx="4572000" cy="3429000"/>
+          </a:xfrm>
+          <a:prstGeom prst="rect">
+            <a:avLst/>
+          </a:prstGeom>
+          <a:noFill/>
+          <a:ln w="12700">
+            <a:solidFill>
+              <a:prstClr val="black"/>
+            </a:solidFill>
+          </a:ln>
+        </p:spPr>
+        <p:txBody>
+          <a:bodyPr vert="horz" lIns="91440" tIns="45720" rIns="91440" bIns="45720" rtlCol="0" anchor="ctr"/>
+          <a:lstStyle/>
+          <a:p>
+            <a:endParaRPr lang="ja-JP" altLang="en-US"/>
+          </a:p>
+        </p:txBody>
+      </p:sp>
+      <p:sp>
+        <p:nvSpPr>
+          <p:cNvPr id="5" name="ノート プレースホルダー 4"/>
+          <p:cNvSpPr>
+            <a:spLocks noGrp="1"/>
+          </p:cNvSpPr>
+          <p:nvPr>
+            <p:ph type="body" sz="quarter" idx="3"/>
+          </p:nvPr>
+        </p:nvSpPr>
+        <p:spPr>
+          <a:xfrm>
+            <a:off x="685800" y="4343400"/>
+            <a:ext cx="5486400" cy="4114800"/>
+          </a:xfrm>
+          <a:prstGeom prst="rect">
+            <a:avLst/>
+          </a:prstGeom>
+        </p:spPr>
+        <p:txBody>
+          <a:bodyPr vert="horz" lIns="91440" tIns="45720" rIns="91440" bIns="45720" rtlCol="0"/>
+          <a:lstStyle/>
+          <a:p>
+            <a:pPr lvl="0"/>
+            <a:r>
+              <a:rPr kumimoji="1" lang="ja-JP" altLang="en-US" smtClean="0"/>
+              <a:t>マスター テキストの書式設定</a:t>
+            </a:r>
+          </a:p>
+          <a:p>
+            <a:pPr lvl="1"/>
+            <a:r>
+              <a:rPr kumimoji="1" lang="ja-JP" altLang="en-US" smtClean="0"/>
+              <a:t>第 </a:t>
+            </a:r>
+            <a:r>
+              <a:rPr kumimoji="1" lang="en-US" altLang="ja-JP" smtClean="0"/>
+              <a:t>2 </a:t>
+            </a:r>
+            <a:r>
+              <a:rPr kumimoji="1" lang="ja-JP" altLang="en-US" smtClean="0"/>
+              <a:t>レベル</a:t>
+            </a:r>
+          </a:p>
+          <a:p>
+            <a:pPr lvl="2"/>
+            <a:r>
+              <a:rPr kumimoji="1" lang="ja-JP" altLang="en-US" smtClean="0"/>
+              <a:t>第 </a:t>
+            </a:r>
+            <a:r>
+              <a:rPr kumimoji="1" lang="en-US" altLang="ja-JP" smtClean="0"/>
+              <a:t>3 </a:t>
+            </a:r>
+            <a:r>
+              <a:rPr kumimoji="1" lang="ja-JP" altLang="en-US" smtClean="0"/>
+              <a:t>レベル</a:t>
+            </a:r>
+          </a:p>
+          <a:p>
+            <a:pPr lvl="3"/>
+            <a:r>
+              <a:rPr kumimoji="1" lang="ja-JP" altLang="en-US" smtClean="0"/>
+              <a:t>第 </a:t>
+            </a:r>
+            <a:r>
+              <a:rPr kumimoji="1" lang="en-US" altLang="ja-JP" smtClean="0"/>
+              <a:t>4 </a:t>
+            </a:r>
+            <a:r>
+              <a:rPr kumimoji="1" lang="ja-JP" altLang="en-US" smtClean="0"/>
+              <a:t>レベル</a:t>
+            </a:r>
+          </a:p>
+          <a:p>
+            <a:pPr lvl="4"/>
+            <a:r>
+              <a:rPr kumimoji="1" lang="ja-JP" altLang="en-US" smtClean="0"/>
+              <a:t>第 </a:t>
+            </a:r>
+            <a:r>
+              <a:rPr kumimoji="1" lang="en-US" altLang="ja-JP" smtClean="0"/>
+              <a:t>5 </a:t>
+            </a:r>
+            <a:r>
+              <a:rPr kumimoji="1" lang="ja-JP" altLang="en-US" smtClean="0"/>
+              <a:t>レベル</a:t>
+            </a:r>
+            <a:endParaRPr kumimoji="1" lang="ja-JP" altLang="en-US"/>
+          </a:p>
+        </p:txBody>
+      </p:sp>
+      <p:sp>
+        <p:nvSpPr>
+          <p:cNvPr id="6" name="フッター プレースホルダー 5"/>
+          <p:cNvSpPr>
+            <a:spLocks noGrp="1"/>
+          </p:cNvSpPr>
+          <p:nvPr>
+            <p:ph type="ftr" sz="quarter" idx="4"/>
+          </p:nvPr>
+        </p:nvSpPr>
+        <p:spPr>
+          <a:xfrm>
+            <a:off x="0" y="8685213"/>
+            <a:ext cx="2971800" cy="457200"/>
+          </a:xfrm>
+          <a:prstGeom prst="rect">
+            <a:avLst/>
+          </a:prstGeom>
+        </p:spPr>
+        <p:txBody>
+          <a:bodyPr vert="horz" lIns="91440" tIns="45720" rIns="91440" bIns="45720" rtlCol="0" anchor="b"/>
+          <a:lstStyle>
+            <a:lvl1pPr algn="l">
+              <a:defRPr sz="1200"/>
+            </a:lvl1pPr>
+          </a:lstStyle>
+          <a:p>
+            <a:endParaRPr kumimoji="1" lang="ja-JP" altLang="en-US"/>
+          </a:p>
+        </p:txBody>
+      </p:sp>
+      <p:sp>
+        <p:nvSpPr>
+          <p:cNvPr id="7" name="スライド番号プレースホルダー 6"/>
+          <p:cNvSpPr>
+            <a:spLocks noGrp="1"/>
+          </p:cNvSpPr>
+          <p:nvPr>
+            <p:ph type="sldNum" sz="quarter" idx="5"/>
+          </p:nvPr>
+        </p:nvSpPr>
+        <p:spPr>
+          <a:xfrm>
+            <a:off x="3884613" y="8685213"/>
+            <a:ext cx="2971800" cy="457200"/>
+          </a:xfrm>
+          <a:prstGeom prst="rect">
+            <a:avLst/>
+          </a:prstGeom>
+        </p:spPr>
+        <p:txBody>
+          <a:bodyPr vert="horz" lIns="91440" tIns="45720" rIns="91440" bIns="45720" rtlCol="0" anchor="b"/>
+          <a:lstStyle>
+            <a:lvl1pPr algn="r">
+              <a:defRPr sz="1200"/>
+            </a:lvl1pPr>
+          </a:lstStyle>
+          <a:p>
+            <a:fld id="{29C0C938-7192-4937-8C47-AD72099D0370}" type="slidenum">
+              <a:rPr kumimoji="1" lang="ja-JP" altLang="en-US" smtClean="0"/>
+              <a:t>‹#›</a:t>
+            </a:fld>
+            <a:endParaRPr kumimoji="1" lang="ja-JP" altLang="en-US"/>
+          </a:p>
+        </p:txBody>
+      </p:sp>
+    </p:spTree>
+    <p:extLst>
+      <p:ext uri="{BB962C8B-B14F-4D97-AF65-F5344CB8AC3E}">
+        <p14:creationId xmlns:p14="http://schemas.microsoft.com/office/powerpoint/2010/main" val="1658270193"/>
+      </p:ext>
+    </p:extLst>
+  </p:cSld>
+  <p:clrMap bg1="lt1" tx1="dk1" bg2="lt2" tx2="dk2" accent1="accent1" accent2="accent2" accent3="accent3" accent4="accent4" accent5="accent5" accent6="accent6" hlink="hlink" folHlink="folHlink"/>
+  <p:notesStyle>
+    <a:lvl1pPr marL="0" algn="l" defTabSz="914400" rtl="0" eaLnBrk="1" latinLnBrk="0" hangingPunct="1">
+      <a:defRPr kumimoji="1" sz="1200" kern="1200">
+        <a:solidFill>
+          <a:schemeClr val="tx1"/>
+        </a:solidFill>
+        <a:latin typeface="+mn-lt"/>
+        <a:ea typeface="+mn-ea"/>
+        <a:cs typeface="+mn-cs"/>
+      </a:defRPr>
+    </a:lvl1pPr>
+    <a:lvl2pPr marL="457200" algn="l" defTabSz="914400" rtl="0" eaLnBrk="1" latinLnBrk="0" hangingPunct="1">
+      <a:defRPr kumimoji="1" sz="1200" kern="1200">
+        <a:solidFill>
+          <a:schemeClr val="tx1"/>
+        </a:solidFill>
+        <a:latin typeface="+mn-lt"/>
+        <a:ea typeface="+mn-ea"/>
+        <a:cs typeface="+mn-cs"/>
+      </a:defRPr>
+    </a:lvl2pPr>
+    <a:lvl3pPr marL="914400" algn="l" defTabSz="914400" rtl="0" eaLnBrk="1" latinLnBrk="0" hangingPunct="1">
+      <a:defRPr kumimoji="1" sz="1200" kern="1200">
+        <a:solidFill>
+          <a:schemeClr val="tx1"/>
+        </a:solidFill>
+        <a:latin typeface="+mn-lt"/>
+        <a:ea typeface="+mn-ea"/>
+        <a:cs typeface="+mn-cs"/>
+      </a:defRPr>
+    </a:lvl3pPr>
+    <a:lvl4pPr marL="1371600" algn="l" defTabSz="914400" rtl="0" eaLnBrk="1" latinLnBrk="0" hangingPunct="1">
+      <a:defRPr kumimoji="1" sz="1200" kern="1200">
+        <a:solidFill>
+          <a:schemeClr val="tx1"/>
+        </a:solidFill>
+        <a:latin typeface="+mn-lt"/>
+        <a:ea typeface="+mn-ea"/>
+        <a:cs typeface="+mn-cs"/>
+      </a:defRPr>
+    </a:lvl4pPr>
+    <a:lvl5pPr marL="1828800" algn="l" defTabSz="914400" rtl="0" eaLnBrk="1" latinLnBrk="0" hangingPunct="1">
+      <a:defRPr kumimoji="1" sz="1200" kern="1200">
+        <a:solidFill>
+          <a:schemeClr val="tx1"/>
+        </a:solidFill>
+        <a:latin typeface="+mn-lt"/>
+        <a:ea typeface="+mn-ea"/>
+        <a:cs typeface="+mn-cs"/>
+      </a:defRPr>
+    </a:lvl5pPr>
+    <a:lvl6pPr marL="2286000" algn="l" defTabSz="914400" rtl="0" eaLnBrk="1" latinLnBrk="0" hangingPunct="1">
+      <a:defRPr kumimoji="1" sz="1200" kern="1200">
+        <a:solidFill>
+          <a:schemeClr val="tx1"/>
+        </a:solidFill>
+        <a:latin typeface="+mn-lt"/>
+        <a:ea typeface="+mn-ea"/>
+        <a:cs typeface="+mn-cs"/>
+      </a:defRPr>
+    </a:lvl6pPr>
+    <a:lvl7pPr marL="2743200" algn="l" defTabSz="914400" rtl="0" eaLnBrk="1" latinLnBrk="0" hangingPunct="1">
+      <a:defRPr kumimoji="1" sz="1200" kern="1200">
+        <a:solidFill>
+          <a:schemeClr val="tx1"/>
+        </a:solidFill>
+        <a:latin typeface="+mn-lt"/>
+        <a:ea typeface="+mn-ea"/>
+        <a:cs typeface="+mn-cs"/>
+      </a:defRPr>
+    </a:lvl7pPr>
+    <a:lvl8pPr marL="3200400" algn="l" defTabSz="914400" rtl="0" eaLnBrk="1" latinLnBrk="0" hangingPunct="1">
+      <a:defRPr kumimoji="1" sz="1200" kern="1200">
+        <a:solidFill>
+          <a:schemeClr val="tx1"/>
+        </a:solidFill>
+        <a:latin typeface="+mn-lt"/>
+        <a:ea typeface="+mn-ea"/>
+        <a:cs typeface="+mn-cs"/>
+      </a:defRPr>
+    </a:lvl8pPr>
+    <a:lvl9pPr marL="3657600" algn="l" defTabSz="914400" rtl="0" eaLnBrk="1" latinLnBrk="0" hangingPunct="1">
+      <a:defRPr kumimoji="1" sz="1200" kern="1200">
+        <a:solidFill>
+          <a:schemeClr val="tx1"/>
+        </a:solidFill>
+        <a:latin typeface="+mn-lt"/>
+        <a:ea typeface="+mn-ea"/>
+        <a:cs typeface="+mn-cs"/>
+      </a:defRPr>
+    </a:lvl9pPr>
+  </p:notesStyle>
+</p:notesMaster>
+</file>
+
+<file path=ppt/notesSlides/notesSlide1.xml><?xml version="1.0" encoding="utf-8"?>
+<p:notes xmlns:a="http://schemas.openxmlformats.org/drawingml/2006/main" xmlns:r="http://schemas.openxmlformats.org/officeDocument/2006/relationships" xmlns:p="http://schemas.openxmlformats.org/presentationml/2006/main">
+  <p:cSld>
+    <p:spTree>
+      <p:nvGrpSpPr>
+        <p:cNvPr id="1" name=""/>
+        <p:cNvGrpSpPr/>
+        <p:nvPr/>
+      </p:nvGrpSpPr>
+      <p:grpSpPr>
+        <a:xfrm>
+          <a:off x="0" y="0"/>
+          <a:ext cx="0" cy="0"/>
+          <a:chOff x="0" y="0"/>
+          <a:chExt cx="0" cy="0"/>
+        </a:xfrm>
+      </p:grpSpPr>
+      <p:sp>
+        <p:nvSpPr>
+          <p:cNvPr id="2" name="スライド イメージ プレースホルダー 1"/>
+          <p:cNvSpPr>
+            <a:spLocks noGrp="1" noRot="1" noChangeAspect="1"/>
+          </p:cNvSpPr>
+          <p:nvPr>
+            <p:ph type="sldImg"/>
+          </p:nvPr>
+        </p:nvSpPr>
+        <p:spPr/>
+      </p:sp>
+      <p:sp>
+        <p:nvSpPr>
+          <p:cNvPr id="3" name="ノート プレースホルダー 2"/>
+          <p:cNvSpPr>
+            <a:spLocks noGrp="1"/>
+          </p:cNvSpPr>
+          <p:nvPr>
+            <p:ph type="body" idx="1"/>
+          </p:nvPr>
+        </p:nvSpPr>
+        <p:spPr/>
+        <p:txBody>
+          <a:bodyPr/>
+          <a:lstStyle/>
+          <a:p>
+            <a:r>
+              <a:rPr kumimoji="1" lang="ja-JP" altLang="en-US" dirty="0" smtClean="0"/>
+              <a:t>サーベイ論文</a:t>
+            </a:r>
+            <a:r>
+              <a:rPr kumimoji="1" lang="en-US" altLang="ja-JP" dirty="0" smtClean="0"/>
+              <a:t>-&gt;citing</a:t>
+            </a:r>
+            <a:r>
+              <a:rPr kumimoji="1" lang="ja-JP" altLang="en-US" dirty="0" smtClean="0"/>
+              <a:t>が多い</a:t>
+            </a:r>
+            <a:endParaRPr kumimoji="1" lang="en-US" altLang="ja-JP" dirty="0" smtClean="0"/>
+          </a:p>
+          <a:p>
+            <a:r>
+              <a:rPr kumimoji="1" lang="ja-JP" altLang="en-US" dirty="0" smtClean="0"/>
+              <a:t>セントラリティ</a:t>
+            </a:r>
+            <a:endParaRPr kumimoji="1" lang="en-US" altLang="ja-JP" dirty="0" smtClean="0"/>
+          </a:p>
+          <a:p>
+            <a:r>
+              <a:rPr kumimoji="1" lang="en-US" altLang="ja-JP" dirty="0" smtClean="0"/>
+              <a:t>keywords and </a:t>
+            </a:r>
+            <a:r>
+              <a:rPr kumimoji="1" lang="en-US" altLang="ja-JP" dirty="0" err="1" smtClean="0"/>
+              <a:t>confelences</a:t>
+            </a:r>
+            <a:endParaRPr kumimoji="1" lang="ja-JP" altLang="en-US" dirty="0"/>
+          </a:p>
+        </p:txBody>
+      </p:sp>
+      <p:sp>
+        <p:nvSpPr>
+          <p:cNvPr id="4" name="スライド番号プレースホルダー 3"/>
+          <p:cNvSpPr>
+            <a:spLocks noGrp="1"/>
+          </p:cNvSpPr>
+          <p:nvPr>
+            <p:ph type="sldNum" sz="quarter" idx="10"/>
+          </p:nvPr>
+        </p:nvSpPr>
+        <p:spPr/>
+        <p:txBody>
+          <a:bodyPr/>
+          <a:lstStyle/>
+          <a:p>
+            <a:fld id="{29C0C938-7192-4937-8C47-AD72099D0370}" type="slidenum">
+              <a:rPr kumimoji="1" lang="ja-JP" altLang="en-US" smtClean="0"/>
+              <a:t>4</a:t>
+            </a:fld>
+            <a:endParaRPr kumimoji="1" lang="ja-JP" altLang="en-US"/>
+          </a:p>
+        </p:txBody>
+      </p:sp>
+    </p:spTree>
+    <p:extLst>
+      <p:ext uri="{BB962C8B-B14F-4D97-AF65-F5344CB8AC3E}">
+        <p14:creationId xmlns:p14="http://schemas.microsoft.com/office/powerpoint/2010/main" val="637656149"/>
+      </p:ext>
+    </p:extLst>
+  </p:cSld>
+  <p:clrMapOvr>
+    <a:masterClrMapping/>
+  </p:clrMapOvr>
+</p:notes>
+</file>
+
 <file path=ppt/slideLayouts/slideLayout1.xml><?xml version="1.0" encoding="utf-8"?>
 <p:sldLayout xmlns:a="http://schemas.openxmlformats.org/drawingml/2006/main" xmlns:r="http://schemas.openxmlformats.org/officeDocument/2006/relationships" xmlns:p="http://schemas.openxmlformats.org/presentationml/2006/main" type="title" preserve="1">
   <p:cSld name="タイトル スライド">
@@ -291,7 +791,7 @@
             <a:fld id="{E90ED720-0104-4369-84BC-D37694168613}" type="datetimeFigureOut">
               <a:rPr kumimoji="1" lang="ja-JP" altLang="en-US" smtClean="0"/>
               <a:pPr/>
-              <a:t>2017/4/10</a:t>
+              <a:t>2017/4/12</a:t>
             </a:fld>
             <a:endParaRPr kumimoji="1" lang="ja-JP" altLang="en-US"/>
           </a:p>
@@ -490,7 +990,7 @@
             <a:fld id="{E90ED720-0104-4369-84BC-D37694168613}" type="datetimeFigureOut">
               <a:rPr kumimoji="1" lang="ja-JP" altLang="en-US" smtClean="0"/>
               <a:pPr/>
-              <a:t>2017/4/10</a:t>
+              <a:t>2017/4/12</a:t>
             </a:fld>
             <a:endParaRPr kumimoji="1" lang="ja-JP" altLang="en-US"/>
           </a:p>
@@ -699,7 +1199,7 @@
             <a:fld id="{E90ED720-0104-4369-84BC-D37694168613}" type="datetimeFigureOut">
               <a:rPr kumimoji="1" lang="ja-JP" altLang="en-US" smtClean="0"/>
               <a:pPr/>
-              <a:t>2017/4/10</a:t>
+              <a:t>2017/4/12</a:t>
             </a:fld>
             <a:endParaRPr kumimoji="1" lang="ja-JP" altLang="en-US"/>
           </a:p>
@@ -898,7 +1398,7 @@
             <a:fld id="{E90ED720-0104-4369-84BC-D37694168613}" type="datetimeFigureOut">
               <a:rPr kumimoji="1" lang="ja-JP" altLang="en-US" smtClean="0"/>
               <a:pPr/>
-              <a:t>2017/4/10</a:t>
+              <a:t>2017/4/12</a:t>
             </a:fld>
             <a:endParaRPr kumimoji="1" lang="ja-JP" altLang="en-US"/>
           </a:p>
@@ -1141,7 +1641,7 @@
             <a:fld id="{E90ED720-0104-4369-84BC-D37694168613}" type="datetimeFigureOut">
               <a:rPr kumimoji="1" lang="ja-JP" altLang="en-US" smtClean="0"/>
               <a:pPr/>
-              <a:t>2017/4/10</a:t>
+              <a:t>2017/4/12</a:t>
             </a:fld>
             <a:endParaRPr kumimoji="1" lang="ja-JP" altLang="en-US"/>
           </a:p>
@@ -1490,7 +1990,7 @@
             <a:fld id="{E90ED720-0104-4369-84BC-D37694168613}" type="datetimeFigureOut">
               <a:rPr kumimoji="1" lang="ja-JP" altLang="en-US" smtClean="0"/>
               <a:pPr/>
-              <a:t>2017/4/10</a:t>
+              <a:t>2017/4/12</a:t>
             </a:fld>
             <a:endParaRPr kumimoji="1" lang="ja-JP" altLang="en-US"/>
           </a:p>
@@ -1973,7 +2473,7 @@
             <a:fld id="{E90ED720-0104-4369-84BC-D37694168613}" type="datetimeFigureOut">
               <a:rPr kumimoji="1" lang="ja-JP" altLang="en-US" smtClean="0"/>
               <a:pPr/>
-              <a:t>2017/4/10</a:t>
+              <a:t>2017/4/12</a:t>
             </a:fld>
             <a:endParaRPr kumimoji="1" lang="ja-JP" altLang="en-US"/>
           </a:p>
@@ -2088,7 +2588,7 @@
             <a:fld id="{E90ED720-0104-4369-84BC-D37694168613}" type="datetimeFigureOut">
               <a:rPr kumimoji="1" lang="ja-JP" altLang="en-US" smtClean="0"/>
               <a:pPr/>
-              <a:t>2017/4/10</a:t>
+              <a:t>2017/4/12</a:t>
             </a:fld>
             <a:endParaRPr kumimoji="1" lang="ja-JP" altLang="en-US"/>
           </a:p>
@@ -2180,7 +2680,7 @@
             <a:fld id="{E90ED720-0104-4369-84BC-D37694168613}" type="datetimeFigureOut">
               <a:rPr kumimoji="1" lang="ja-JP" altLang="en-US" smtClean="0"/>
               <a:pPr/>
-              <a:t>2017/4/10</a:t>
+              <a:t>2017/4/12</a:t>
             </a:fld>
             <a:endParaRPr kumimoji="1" lang="ja-JP" altLang="en-US"/>
           </a:p>
@@ -2486,7 +2986,7 @@
             <a:fld id="{E90ED720-0104-4369-84BC-D37694168613}" type="datetimeFigureOut">
               <a:rPr kumimoji="1" lang="ja-JP" altLang="en-US" smtClean="0"/>
               <a:pPr/>
-              <a:t>2017/4/10</a:t>
+              <a:t>2017/4/12</a:t>
             </a:fld>
             <a:endParaRPr kumimoji="1" lang="ja-JP" altLang="en-US"/>
           </a:p>
@@ -2736,7 +3236,7 @@
             <a:fld id="{E90ED720-0104-4369-84BC-D37694168613}" type="datetimeFigureOut">
               <a:rPr kumimoji="1" lang="ja-JP" altLang="en-US" smtClean="0"/>
               <a:pPr/>
-              <a:t>2017/4/10</a:t>
+              <a:t>2017/4/12</a:t>
             </a:fld>
             <a:endParaRPr kumimoji="1" lang="ja-JP" altLang="en-US"/>
           </a:p>
@@ -2978,7 +3478,7 @@
             <a:fld id="{E90ED720-0104-4369-84BC-D37694168613}" type="datetimeFigureOut">
               <a:rPr kumimoji="1" lang="ja-JP" altLang="en-US" smtClean="0"/>
               <a:pPr/>
-              <a:t>2017/4/10</a:t>
+              <a:t>2017/4/12</a:t>
             </a:fld>
             <a:endParaRPr kumimoji="1" lang="ja-JP" altLang="en-US"/>
           </a:p>
@@ -4188,11 +4688,7 @@
             </a:r>
             <a:r>
               <a:rPr lang="ja-JP" altLang="en-US" dirty="0" smtClean="0"/>
-              <a:t>のライブラリ使えない</a:t>
-            </a:r>
-            <a:r>
-              <a:rPr lang="ja-JP" altLang="en-US" dirty="0" smtClean="0"/>
-              <a:t>？</a:t>
+              <a:t>のライブラリ使えない？</a:t>
             </a:r>
             <a:endParaRPr lang="en-US" altLang="ja-JP" dirty="0" smtClean="0"/>
           </a:p>
@@ -5377,6 +5873,1006 @@
         </p:txBody>
       </p:sp>
     </p:spTree>
+  </p:cSld>
+  <p:clrMapOvr>
+    <a:masterClrMapping/>
+  </p:clrMapOvr>
+</p:sld>
+</file>
+
+<file path=ppt/slides/slide4.xml><?xml version="1.0" encoding="utf-8"?>
+<p:sld xmlns:a="http://schemas.openxmlformats.org/drawingml/2006/main" xmlns:r="http://schemas.openxmlformats.org/officeDocument/2006/relationships" xmlns:p="http://schemas.openxmlformats.org/presentationml/2006/main">
+  <p:cSld>
+    <p:spTree>
+      <p:nvGrpSpPr>
+        <p:cNvPr id="1" name=""/>
+        <p:cNvGrpSpPr/>
+        <p:nvPr/>
+      </p:nvGrpSpPr>
+      <p:grpSpPr>
+        <a:xfrm>
+          <a:off x="0" y="0"/>
+          <a:ext cx="0" cy="0"/>
+          <a:chOff x="0" y="0"/>
+          <a:chExt cx="0" cy="0"/>
+        </a:xfrm>
+      </p:grpSpPr>
+      <p:sp>
+        <p:nvSpPr>
+          <p:cNvPr id="2" name="タイトル 1"/>
+          <p:cNvSpPr>
+            <a:spLocks noGrp="1"/>
+          </p:cNvSpPr>
+          <p:nvPr>
+            <p:ph type="title"/>
+          </p:nvPr>
+        </p:nvSpPr>
+        <p:spPr/>
+        <p:txBody>
+          <a:bodyPr/>
+          <a:lstStyle/>
+          <a:p>
+            <a:endParaRPr kumimoji="1" lang="ja-JP" altLang="en-US" dirty="0"/>
+          </a:p>
+        </p:txBody>
+      </p:sp>
+      <p:sp>
+        <p:nvSpPr>
+          <p:cNvPr id="4" name="円/楕円 3"/>
+          <p:cNvSpPr/>
+          <p:nvPr/>
+        </p:nvSpPr>
+        <p:spPr>
+          <a:xfrm>
+            <a:off x="3062959" y="2236894"/>
+            <a:ext cx="360040" cy="360040"/>
+          </a:xfrm>
+          <a:prstGeom prst="ellipse">
+            <a:avLst/>
+          </a:prstGeom>
+          <a:solidFill>
+            <a:schemeClr val="bg1"/>
+          </a:solidFill>
+          <a:ln>
+            <a:solidFill>
+              <a:schemeClr val="tx1"/>
+            </a:solidFill>
+          </a:ln>
+        </p:spPr>
+        <p:style>
+          <a:lnRef idx="2">
+            <a:schemeClr val="accent1">
+              <a:shade val="50000"/>
+            </a:schemeClr>
+          </a:lnRef>
+          <a:fillRef idx="1">
+            <a:schemeClr val="accent1"/>
+          </a:fillRef>
+          <a:effectRef idx="0">
+            <a:schemeClr val="accent1"/>
+          </a:effectRef>
+          <a:fontRef idx="minor">
+            <a:schemeClr val="lt1"/>
+          </a:fontRef>
+        </p:style>
+        <p:txBody>
+          <a:bodyPr rtlCol="0" anchor="ctr"/>
+          <a:lstStyle/>
+          <a:p>
+            <a:pPr algn="ctr"/>
+            <a:r>
+              <a:rPr kumimoji="1" lang="en-US" altLang="ja-JP" dirty="0" smtClean="0">
+                <a:solidFill>
+                  <a:schemeClr val="tx1"/>
+                </a:solidFill>
+              </a:rPr>
+              <a:t>1</a:t>
+            </a:r>
+            <a:endParaRPr kumimoji="1" lang="ja-JP" altLang="en-US" dirty="0">
+              <a:solidFill>
+                <a:schemeClr val="tx1"/>
+              </a:solidFill>
+            </a:endParaRPr>
+          </a:p>
+        </p:txBody>
+      </p:sp>
+      <p:sp>
+        <p:nvSpPr>
+          <p:cNvPr id="5" name="円/楕円 4"/>
+          <p:cNvSpPr/>
+          <p:nvPr/>
+        </p:nvSpPr>
+        <p:spPr>
+          <a:xfrm>
+            <a:off x="4139952" y="2236894"/>
+            <a:ext cx="360040" cy="360040"/>
+          </a:xfrm>
+          <a:prstGeom prst="ellipse">
+            <a:avLst/>
+          </a:prstGeom>
+          <a:solidFill>
+            <a:schemeClr val="bg1"/>
+          </a:solidFill>
+          <a:ln>
+            <a:solidFill>
+              <a:schemeClr val="tx1"/>
+            </a:solidFill>
+          </a:ln>
+        </p:spPr>
+        <p:style>
+          <a:lnRef idx="2">
+            <a:schemeClr val="accent1">
+              <a:shade val="50000"/>
+            </a:schemeClr>
+          </a:lnRef>
+          <a:fillRef idx="1">
+            <a:schemeClr val="accent1"/>
+          </a:fillRef>
+          <a:effectRef idx="0">
+            <a:schemeClr val="accent1"/>
+          </a:effectRef>
+          <a:fontRef idx="minor">
+            <a:schemeClr val="lt1"/>
+          </a:fontRef>
+        </p:style>
+        <p:txBody>
+          <a:bodyPr rtlCol="0" anchor="ctr"/>
+          <a:lstStyle/>
+          <a:p>
+            <a:pPr algn="ctr"/>
+            <a:r>
+              <a:rPr kumimoji="1" lang="en-US" altLang="ja-JP" dirty="0" smtClean="0">
+                <a:solidFill>
+                  <a:schemeClr val="tx1"/>
+                </a:solidFill>
+              </a:rPr>
+              <a:t>2</a:t>
+            </a:r>
+            <a:endParaRPr kumimoji="1" lang="ja-JP" altLang="en-US" dirty="0">
+              <a:solidFill>
+                <a:schemeClr val="tx1"/>
+              </a:solidFill>
+            </a:endParaRPr>
+          </a:p>
+        </p:txBody>
+      </p:sp>
+      <p:sp>
+        <p:nvSpPr>
+          <p:cNvPr id="6" name="円/楕円 5"/>
+          <p:cNvSpPr/>
+          <p:nvPr/>
+        </p:nvSpPr>
+        <p:spPr>
+          <a:xfrm>
+            <a:off x="5292080" y="2236894"/>
+            <a:ext cx="360040" cy="360040"/>
+          </a:xfrm>
+          <a:prstGeom prst="ellipse">
+            <a:avLst/>
+          </a:prstGeom>
+          <a:solidFill>
+            <a:schemeClr val="bg1"/>
+          </a:solidFill>
+          <a:ln>
+            <a:solidFill>
+              <a:schemeClr val="tx1"/>
+            </a:solidFill>
+          </a:ln>
+        </p:spPr>
+        <p:style>
+          <a:lnRef idx="2">
+            <a:schemeClr val="accent1">
+              <a:shade val="50000"/>
+            </a:schemeClr>
+          </a:lnRef>
+          <a:fillRef idx="1">
+            <a:schemeClr val="accent1"/>
+          </a:fillRef>
+          <a:effectRef idx="0">
+            <a:schemeClr val="accent1"/>
+          </a:effectRef>
+          <a:fontRef idx="minor">
+            <a:schemeClr val="lt1"/>
+          </a:fontRef>
+        </p:style>
+        <p:txBody>
+          <a:bodyPr rtlCol="0" anchor="ctr"/>
+          <a:lstStyle/>
+          <a:p>
+            <a:pPr algn="ctr"/>
+            <a:r>
+              <a:rPr lang="en-US" altLang="ja-JP" dirty="0" smtClean="0">
+                <a:solidFill>
+                  <a:schemeClr val="tx1"/>
+                </a:solidFill>
+              </a:rPr>
+              <a:t>3</a:t>
+            </a:r>
+            <a:endParaRPr kumimoji="1" lang="ja-JP" altLang="en-US" dirty="0">
+              <a:solidFill>
+                <a:schemeClr val="tx1"/>
+              </a:solidFill>
+            </a:endParaRPr>
+          </a:p>
+        </p:txBody>
+      </p:sp>
+      <p:sp>
+        <p:nvSpPr>
+          <p:cNvPr id="7" name="円/楕円 6"/>
+          <p:cNvSpPr/>
+          <p:nvPr/>
+        </p:nvSpPr>
+        <p:spPr>
+          <a:xfrm>
+            <a:off x="2555776" y="3284984"/>
+            <a:ext cx="360040" cy="360040"/>
+          </a:xfrm>
+          <a:prstGeom prst="ellipse">
+            <a:avLst/>
+          </a:prstGeom>
+          <a:solidFill>
+            <a:schemeClr val="bg1"/>
+          </a:solidFill>
+          <a:ln>
+            <a:solidFill>
+              <a:schemeClr val="tx1"/>
+            </a:solidFill>
+          </a:ln>
+        </p:spPr>
+        <p:style>
+          <a:lnRef idx="2">
+            <a:schemeClr val="accent1">
+              <a:shade val="50000"/>
+            </a:schemeClr>
+          </a:lnRef>
+          <a:fillRef idx="1">
+            <a:schemeClr val="accent1"/>
+          </a:fillRef>
+          <a:effectRef idx="0">
+            <a:schemeClr val="accent1"/>
+          </a:effectRef>
+          <a:fontRef idx="minor">
+            <a:schemeClr val="lt1"/>
+          </a:fontRef>
+        </p:style>
+        <p:txBody>
+          <a:bodyPr rtlCol="0" anchor="ctr"/>
+          <a:lstStyle/>
+          <a:p>
+            <a:pPr algn="ctr"/>
+            <a:r>
+              <a:rPr lang="en-US" altLang="ja-JP" dirty="0" smtClean="0">
+                <a:solidFill>
+                  <a:schemeClr val="tx1"/>
+                </a:solidFill>
+              </a:rPr>
+              <a:t>4</a:t>
+            </a:r>
+            <a:endParaRPr kumimoji="1" lang="ja-JP" altLang="en-US" dirty="0">
+              <a:solidFill>
+                <a:schemeClr val="tx1"/>
+              </a:solidFill>
+            </a:endParaRPr>
+          </a:p>
+        </p:txBody>
+      </p:sp>
+      <p:sp>
+        <p:nvSpPr>
+          <p:cNvPr id="8" name="円/楕円 7"/>
+          <p:cNvSpPr/>
+          <p:nvPr/>
+        </p:nvSpPr>
+        <p:spPr>
+          <a:xfrm>
+            <a:off x="3261700" y="3284984"/>
+            <a:ext cx="360040" cy="360040"/>
+          </a:xfrm>
+          <a:prstGeom prst="ellipse">
+            <a:avLst/>
+          </a:prstGeom>
+          <a:solidFill>
+            <a:schemeClr val="bg1"/>
+          </a:solidFill>
+          <a:ln>
+            <a:solidFill>
+              <a:schemeClr val="tx1"/>
+            </a:solidFill>
+          </a:ln>
+        </p:spPr>
+        <p:style>
+          <a:lnRef idx="2">
+            <a:schemeClr val="accent1">
+              <a:shade val="50000"/>
+            </a:schemeClr>
+          </a:lnRef>
+          <a:fillRef idx="1">
+            <a:schemeClr val="accent1"/>
+          </a:fillRef>
+          <a:effectRef idx="0">
+            <a:schemeClr val="accent1"/>
+          </a:effectRef>
+          <a:fontRef idx="minor">
+            <a:schemeClr val="lt1"/>
+          </a:fontRef>
+        </p:style>
+        <p:txBody>
+          <a:bodyPr rtlCol="0" anchor="ctr"/>
+          <a:lstStyle/>
+          <a:p>
+            <a:pPr algn="ctr"/>
+            <a:r>
+              <a:rPr kumimoji="1" lang="en-US" altLang="ja-JP" dirty="0" smtClean="0">
+                <a:solidFill>
+                  <a:schemeClr val="tx1"/>
+                </a:solidFill>
+              </a:rPr>
+              <a:t>5</a:t>
+            </a:r>
+            <a:endParaRPr kumimoji="1" lang="ja-JP" altLang="en-US" dirty="0">
+              <a:solidFill>
+                <a:schemeClr val="tx1"/>
+              </a:solidFill>
+            </a:endParaRPr>
+          </a:p>
+        </p:txBody>
+      </p:sp>
+      <p:sp>
+        <p:nvSpPr>
+          <p:cNvPr id="9" name="円/楕円 8"/>
+          <p:cNvSpPr/>
+          <p:nvPr/>
+        </p:nvSpPr>
+        <p:spPr>
+          <a:xfrm>
+            <a:off x="4003609" y="3284984"/>
+            <a:ext cx="360040" cy="360040"/>
+          </a:xfrm>
+          <a:prstGeom prst="ellipse">
+            <a:avLst/>
+          </a:prstGeom>
+          <a:solidFill>
+            <a:schemeClr val="bg1"/>
+          </a:solidFill>
+          <a:ln>
+            <a:solidFill>
+              <a:schemeClr val="tx1"/>
+            </a:solidFill>
+          </a:ln>
+        </p:spPr>
+        <p:style>
+          <a:lnRef idx="2">
+            <a:schemeClr val="accent1">
+              <a:shade val="50000"/>
+            </a:schemeClr>
+          </a:lnRef>
+          <a:fillRef idx="1">
+            <a:schemeClr val="accent1"/>
+          </a:fillRef>
+          <a:effectRef idx="0">
+            <a:schemeClr val="accent1"/>
+          </a:effectRef>
+          <a:fontRef idx="minor">
+            <a:schemeClr val="lt1"/>
+          </a:fontRef>
+        </p:style>
+        <p:txBody>
+          <a:bodyPr rtlCol="0" anchor="ctr"/>
+          <a:lstStyle/>
+          <a:p>
+            <a:pPr algn="ctr"/>
+            <a:r>
+              <a:rPr lang="en-US" altLang="ja-JP" dirty="0" smtClean="0">
+                <a:solidFill>
+                  <a:schemeClr val="tx1"/>
+                </a:solidFill>
+              </a:rPr>
+              <a:t>6</a:t>
+            </a:r>
+            <a:endParaRPr kumimoji="1" lang="ja-JP" altLang="en-US" dirty="0">
+              <a:solidFill>
+                <a:schemeClr val="tx1"/>
+              </a:solidFill>
+            </a:endParaRPr>
+          </a:p>
+        </p:txBody>
+      </p:sp>
+      <p:sp>
+        <p:nvSpPr>
+          <p:cNvPr id="10" name="円/楕円 9"/>
+          <p:cNvSpPr/>
+          <p:nvPr/>
+        </p:nvSpPr>
+        <p:spPr>
+          <a:xfrm>
+            <a:off x="4788024" y="3284984"/>
+            <a:ext cx="360040" cy="360040"/>
+          </a:xfrm>
+          <a:prstGeom prst="ellipse">
+            <a:avLst/>
+          </a:prstGeom>
+          <a:solidFill>
+            <a:schemeClr val="bg1"/>
+          </a:solidFill>
+          <a:ln>
+            <a:solidFill>
+              <a:schemeClr val="tx1"/>
+            </a:solidFill>
+          </a:ln>
+        </p:spPr>
+        <p:style>
+          <a:lnRef idx="2">
+            <a:schemeClr val="accent1">
+              <a:shade val="50000"/>
+            </a:schemeClr>
+          </a:lnRef>
+          <a:fillRef idx="1">
+            <a:schemeClr val="accent1"/>
+          </a:fillRef>
+          <a:effectRef idx="0">
+            <a:schemeClr val="accent1"/>
+          </a:effectRef>
+          <a:fontRef idx="minor">
+            <a:schemeClr val="lt1"/>
+          </a:fontRef>
+        </p:style>
+        <p:txBody>
+          <a:bodyPr rtlCol="0" anchor="ctr"/>
+          <a:lstStyle/>
+          <a:p>
+            <a:pPr algn="ctr"/>
+            <a:r>
+              <a:rPr lang="en-US" altLang="ja-JP" dirty="0" smtClean="0">
+                <a:solidFill>
+                  <a:schemeClr val="tx1"/>
+                </a:solidFill>
+              </a:rPr>
+              <a:t>7</a:t>
+            </a:r>
+            <a:endParaRPr kumimoji="1" lang="ja-JP" altLang="en-US" dirty="0">
+              <a:solidFill>
+                <a:schemeClr val="tx1"/>
+              </a:solidFill>
+            </a:endParaRPr>
+          </a:p>
+        </p:txBody>
+      </p:sp>
+      <p:sp>
+        <p:nvSpPr>
+          <p:cNvPr id="11" name="テキスト ボックス 10"/>
+          <p:cNvSpPr txBox="1"/>
+          <p:nvPr/>
+        </p:nvSpPr>
+        <p:spPr>
+          <a:xfrm>
+            <a:off x="6156176" y="2232248"/>
+            <a:ext cx="576064" cy="369332"/>
+          </a:xfrm>
+          <a:prstGeom prst="rect">
+            <a:avLst/>
+          </a:prstGeom>
+          <a:noFill/>
+        </p:spPr>
+        <p:txBody>
+          <a:bodyPr wrap="square" rtlCol="0">
+            <a:spAutoFit/>
+          </a:bodyPr>
+          <a:lstStyle/>
+          <a:p>
+            <a:r>
+              <a:rPr kumimoji="1" lang="ja-JP" altLang="en-US" dirty="0" smtClean="0"/>
+              <a:t>・・・</a:t>
+            </a:r>
+            <a:endParaRPr kumimoji="1" lang="ja-JP" altLang="en-US" dirty="0"/>
+          </a:p>
+        </p:txBody>
+      </p:sp>
+      <p:sp>
+        <p:nvSpPr>
+          <p:cNvPr id="12" name="右矢印 11"/>
+          <p:cNvSpPr/>
+          <p:nvPr/>
+        </p:nvSpPr>
+        <p:spPr>
+          <a:xfrm>
+            <a:off x="2411760" y="2232248"/>
+            <a:ext cx="432048" cy="364686"/>
+          </a:xfrm>
+          <a:prstGeom prst="rightArrow">
+            <a:avLst/>
+          </a:prstGeom>
+        </p:spPr>
+        <p:style>
+          <a:lnRef idx="2">
+            <a:schemeClr val="accent1">
+              <a:shade val="50000"/>
+            </a:schemeClr>
+          </a:lnRef>
+          <a:fillRef idx="1">
+            <a:schemeClr val="accent1"/>
+          </a:fillRef>
+          <a:effectRef idx="0">
+            <a:schemeClr val="accent1"/>
+          </a:effectRef>
+          <a:fontRef idx="minor">
+            <a:schemeClr val="lt1"/>
+          </a:fontRef>
+        </p:style>
+        <p:txBody>
+          <a:bodyPr rtlCol="0" anchor="ctr"/>
+          <a:lstStyle/>
+          <a:p>
+            <a:pPr algn="ctr"/>
+            <a:endParaRPr kumimoji="1" lang="ja-JP" altLang="en-US"/>
+          </a:p>
+        </p:txBody>
+      </p:sp>
+      <p:sp>
+        <p:nvSpPr>
+          <p:cNvPr id="13" name="テキスト ボックス 12"/>
+          <p:cNvSpPr txBox="1"/>
+          <p:nvPr/>
+        </p:nvSpPr>
+        <p:spPr>
+          <a:xfrm>
+            <a:off x="539552" y="2199982"/>
+            <a:ext cx="2016224" cy="369332"/>
+          </a:xfrm>
+          <a:prstGeom prst="rect">
+            <a:avLst/>
+          </a:prstGeom>
+          <a:noFill/>
+        </p:spPr>
+        <p:txBody>
+          <a:bodyPr wrap="square" rtlCol="0">
+            <a:spAutoFit/>
+          </a:bodyPr>
+          <a:lstStyle/>
+          <a:p>
+            <a:r>
+              <a:rPr lang="en-US" altLang="ja-JP" dirty="0" smtClean="0"/>
+              <a:t>keywords</a:t>
+            </a:r>
+            <a:r>
+              <a:rPr lang="ja-JP" altLang="en-US" dirty="0" smtClean="0"/>
+              <a:t>サーチ</a:t>
+            </a:r>
+            <a:endParaRPr kumimoji="1" lang="ja-JP" altLang="en-US" dirty="0"/>
+          </a:p>
+        </p:txBody>
+      </p:sp>
+      <p:cxnSp>
+        <p:nvCxnSpPr>
+          <p:cNvPr id="15" name="直線矢印コネクタ 14"/>
+          <p:cNvCxnSpPr>
+            <a:stCxn id="4" idx="4"/>
+            <a:endCxn id="7" idx="0"/>
+          </p:cNvCxnSpPr>
+          <p:nvPr/>
+        </p:nvCxnSpPr>
+        <p:spPr>
+          <a:xfrm flipH="1">
+            <a:off x="2735796" y="2596934"/>
+            <a:ext cx="507183" cy="688050"/>
+          </a:xfrm>
+          <a:prstGeom prst="straightConnector1">
+            <a:avLst/>
+          </a:prstGeom>
+          <a:ln>
+            <a:tailEnd type="arrow"/>
+          </a:ln>
+        </p:spPr>
+        <p:style>
+          <a:lnRef idx="1">
+            <a:schemeClr val="accent1"/>
+          </a:lnRef>
+          <a:fillRef idx="0">
+            <a:schemeClr val="accent1"/>
+          </a:fillRef>
+          <a:effectRef idx="0">
+            <a:schemeClr val="accent1"/>
+          </a:effectRef>
+          <a:fontRef idx="minor">
+            <a:schemeClr val="tx1"/>
+          </a:fontRef>
+        </p:style>
+      </p:cxnSp>
+      <p:cxnSp>
+        <p:nvCxnSpPr>
+          <p:cNvPr id="17" name="直線矢印コネクタ 16"/>
+          <p:cNvCxnSpPr>
+            <a:stCxn id="4" idx="4"/>
+            <a:endCxn id="8" idx="0"/>
+          </p:cNvCxnSpPr>
+          <p:nvPr/>
+        </p:nvCxnSpPr>
+        <p:spPr>
+          <a:xfrm>
+            <a:off x="3242979" y="2596934"/>
+            <a:ext cx="198741" cy="688050"/>
+          </a:xfrm>
+          <a:prstGeom prst="straightConnector1">
+            <a:avLst/>
+          </a:prstGeom>
+          <a:ln>
+            <a:tailEnd type="arrow"/>
+          </a:ln>
+        </p:spPr>
+        <p:style>
+          <a:lnRef idx="1">
+            <a:schemeClr val="accent1"/>
+          </a:lnRef>
+          <a:fillRef idx="0">
+            <a:schemeClr val="accent1"/>
+          </a:fillRef>
+          <a:effectRef idx="0">
+            <a:schemeClr val="accent1"/>
+          </a:effectRef>
+          <a:fontRef idx="minor">
+            <a:schemeClr val="tx1"/>
+          </a:fontRef>
+        </p:style>
+      </p:cxnSp>
+      <p:cxnSp>
+        <p:nvCxnSpPr>
+          <p:cNvPr id="19" name="直線矢印コネクタ 18"/>
+          <p:cNvCxnSpPr>
+            <a:stCxn id="4" idx="4"/>
+            <a:endCxn id="9" idx="0"/>
+          </p:cNvCxnSpPr>
+          <p:nvPr/>
+        </p:nvCxnSpPr>
+        <p:spPr>
+          <a:xfrm>
+            <a:off x="3242979" y="2596934"/>
+            <a:ext cx="940650" cy="688050"/>
+          </a:xfrm>
+          <a:prstGeom prst="straightConnector1">
+            <a:avLst/>
+          </a:prstGeom>
+          <a:ln>
+            <a:tailEnd type="arrow"/>
+          </a:ln>
+        </p:spPr>
+        <p:style>
+          <a:lnRef idx="1">
+            <a:schemeClr val="accent1"/>
+          </a:lnRef>
+          <a:fillRef idx="0">
+            <a:schemeClr val="accent1"/>
+          </a:fillRef>
+          <a:effectRef idx="0">
+            <a:schemeClr val="accent1"/>
+          </a:effectRef>
+          <a:fontRef idx="minor">
+            <a:schemeClr val="tx1"/>
+          </a:fontRef>
+        </p:style>
+      </p:cxnSp>
+      <p:cxnSp>
+        <p:nvCxnSpPr>
+          <p:cNvPr id="21" name="直線矢印コネクタ 20"/>
+          <p:cNvCxnSpPr>
+            <a:stCxn id="4" idx="4"/>
+            <a:endCxn id="10" idx="0"/>
+          </p:cNvCxnSpPr>
+          <p:nvPr/>
+        </p:nvCxnSpPr>
+        <p:spPr>
+          <a:xfrm>
+            <a:off x="3242979" y="2596934"/>
+            <a:ext cx="1725065" cy="688050"/>
+          </a:xfrm>
+          <a:prstGeom prst="straightConnector1">
+            <a:avLst/>
+          </a:prstGeom>
+          <a:ln>
+            <a:tailEnd type="arrow"/>
+          </a:ln>
+        </p:spPr>
+        <p:style>
+          <a:lnRef idx="1">
+            <a:schemeClr val="accent1"/>
+          </a:lnRef>
+          <a:fillRef idx="0">
+            <a:schemeClr val="accent1"/>
+          </a:fillRef>
+          <a:effectRef idx="0">
+            <a:schemeClr val="accent1"/>
+          </a:effectRef>
+          <a:fontRef idx="minor">
+            <a:schemeClr val="tx1"/>
+          </a:fontRef>
+        </p:style>
+      </p:cxnSp>
+      <p:sp>
+        <p:nvSpPr>
+          <p:cNvPr id="22" name="テキスト ボックス 21"/>
+          <p:cNvSpPr txBox="1"/>
+          <p:nvPr/>
+        </p:nvSpPr>
+        <p:spPr>
+          <a:xfrm>
+            <a:off x="5292080" y="2756293"/>
+            <a:ext cx="3096344" cy="369332"/>
+          </a:xfrm>
+          <a:prstGeom prst="rect">
+            <a:avLst/>
+          </a:prstGeom>
+          <a:noFill/>
+        </p:spPr>
+        <p:txBody>
+          <a:bodyPr wrap="square" rtlCol="0">
+            <a:spAutoFit/>
+          </a:bodyPr>
+          <a:lstStyle/>
+          <a:p>
+            <a:r>
+              <a:rPr kumimoji="1" lang="ja-JP" altLang="en-US" dirty="0" smtClean="0"/>
+              <a:t>どの関係を使って広げる？</a:t>
+            </a:r>
+            <a:endParaRPr kumimoji="1" lang="ja-JP" altLang="en-US" dirty="0"/>
+          </a:p>
+        </p:txBody>
+      </p:sp>
+      <p:sp>
+        <p:nvSpPr>
+          <p:cNvPr id="23" name="右矢印 22"/>
+          <p:cNvSpPr/>
+          <p:nvPr/>
+        </p:nvSpPr>
+        <p:spPr>
+          <a:xfrm rot="10800000">
+            <a:off x="4828776" y="2737503"/>
+            <a:ext cx="432048" cy="364686"/>
+          </a:xfrm>
+          <a:prstGeom prst="rightArrow">
+            <a:avLst/>
+          </a:prstGeom>
+        </p:spPr>
+        <p:style>
+          <a:lnRef idx="2">
+            <a:schemeClr val="accent1">
+              <a:shade val="50000"/>
+            </a:schemeClr>
+          </a:lnRef>
+          <a:fillRef idx="1">
+            <a:schemeClr val="accent1"/>
+          </a:fillRef>
+          <a:effectRef idx="0">
+            <a:schemeClr val="accent1"/>
+          </a:effectRef>
+          <a:fontRef idx="minor">
+            <a:schemeClr val="lt1"/>
+          </a:fontRef>
+        </p:style>
+        <p:txBody>
+          <a:bodyPr rtlCol="0" anchor="ctr"/>
+          <a:lstStyle/>
+          <a:p>
+            <a:pPr algn="ctr"/>
+            <a:endParaRPr kumimoji="1" lang="ja-JP" altLang="en-US"/>
+          </a:p>
+        </p:txBody>
+      </p:sp>
+      <p:cxnSp>
+        <p:nvCxnSpPr>
+          <p:cNvPr id="25" name="直線コネクタ 24"/>
+          <p:cNvCxnSpPr/>
+          <p:nvPr/>
+        </p:nvCxnSpPr>
+        <p:spPr>
+          <a:xfrm>
+            <a:off x="3062959" y="1988840"/>
+            <a:ext cx="4749401" cy="0"/>
+          </a:xfrm>
+          <a:prstGeom prst="line">
+            <a:avLst/>
+          </a:prstGeom>
+        </p:spPr>
+        <p:style>
+          <a:lnRef idx="1">
+            <a:schemeClr val="accent1"/>
+          </a:lnRef>
+          <a:fillRef idx="0">
+            <a:schemeClr val="accent1"/>
+          </a:fillRef>
+          <a:effectRef idx="0">
+            <a:schemeClr val="accent1"/>
+          </a:effectRef>
+          <a:fontRef idx="minor">
+            <a:schemeClr val="tx1"/>
+          </a:fontRef>
+        </p:style>
+      </p:cxnSp>
+      <p:sp>
+        <p:nvSpPr>
+          <p:cNvPr id="26" name="テキスト ボックス 25"/>
+          <p:cNvSpPr txBox="1"/>
+          <p:nvPr/>
+        </p:nvSpPr>
+        <p:spPr>
+          <a:xfrm>
+            <a:off x="4436368" y="1618733"/>
+            <a:ext cx="2727920" cy="369332"/>
+          </a:xfrm>
+          <a:prstGeom prst="rect">
+            <a:avLst/>
+          </a:prstGeom>
+          <a:noFill/>
+        </p:spPr>
+        <p:txBody>
+          <a:bodyPr wrap="square" rtlCol="0">
+            <a:spAutoFit/>
+          </a:bodyPr>
+          <a:lstStyle/>
+          <a:p>
+            <a:r>
+              <a:rPr kumimoji="1" lang="ja-JP" altLang="en-US" dirty="0" smtClean="0"/>
+              <a:t>初期ノード何個？何順？</a:t>
+            </a:r>
+            <a:endParaRPr kumimoji="1" lang="ja-JP" altLang="en-US" dirty="0"/>
+          </a:p>
+        </p:txBody>
+      </p:sp>
+      <p:sp>
+        <p:nvSpPr>
+          <p:cNvPr id="27" name="テキスト ボックス 26"/>
+          <p:cNvSpPr txBox="1"/>
+          <p:nvPr/>
+        </p:nvSpPr>
+        <p:spPr>
+          <a:xfrm>
+            <a:off x="5796136" y="3275692"/>
+            <a:ext cx="3096344" cy="369332"/>
+          </a:xfrm>
+          <a:prstGeom prst="rect">
+            <a:avLst/>
+          </a:prstGeom>
+          <a:noFill/>
+        </p:spPr>
+        <p:txBody>
+          <a:bodyPr wrap="square" rtlCol="0">
+            <a:spAutoFit/>
+          </a:bodyPr>
+          <a:lstStyle/>
+          <a:p>
+            <a:r>
+              <a:rPr kumimoji="1" lang="ja-JP" altLang="en-US" dirty="0" smtClean="0"/>
+              <a:t>何個？</a:t>
+            </a:r>
+            <a:endParaRPr kumimoji="1" lang="ja-JP" altLang="en-US" dirty="0"/>
+          </a:p>
+        </p:txBody>
+      </p:sp>
+      <p:sp>
+        <p:nvSpPr>
+          <p:cNvPr id="28" name="テキスト ボックス 27"/>
+          <p:cNvSpPr txBox="1"/>
+          <p:nvPr/>
+        </p:nvSpPr>
+        <p:spPr>
+          <a:xfrm>
+            <a:off x="61425" y="3933056"/>
+            <a:ext cx="8604448" cy="369332"/>
+          </a:xfrm>
+          <a:prstGeom prst="rect">
+            <a:avLst/>
+          </a:prstGeom>
+          <a:noFill/>
+        </p:spPr>
+        <p:txBody>
+          <a:bodyPr wrap="square" rtlCol="0">
+            <a:spAutoFit/>
+          </a:bodyPr>
+          <a:lstStyle/>
+          <a:p>
+            <a:pPr algn="ctr"/>
+            <a:r>
+              <a:rPr lang="ja-JP" altLang="en-US" dirty="0" smtClean="0"/>
+              <a:t>関係：</a:t>
+            </a:r>
+            <a:r>
+              <a:rPr lang="en-US" altLang="ja-JP" dirty="0" smtClean="0"/>
+              <a:t>authors</a:t>
+            </a:r>
+            <a:r>
+              <a:rPr lang="en-US" altLang="ja-JP" dirty="0"/>
+              <a:t>, keywords, </a:t>
+            </a:r>
+            <a:r>
+              <a:rPr lang="en-US" altLang="ja-JP" dirty="0" err="1" smtClean="0"/>
+              <a:t>citings</a:t>
+            </a:r>
+            <a:r>
+              <a:rPr lang="en-US" altLang="ja-JP" dirty="0"/>
+              <a:t>, </a:t>
+            </a:r>
+            <a:r>
+              <a:rPr lang="en-US" altLang="ja-JP" dirty="0" err="1" smtClean="0"/>
+              <a:t>citeds</a:t>
+            </a:r>
+            <a:r>
+              <a:rPr lang="en-US" altLang="ja-JP" dirty="0"/>
+              <a:t>, </a:t>
+            </a:r>
+            <a:r>
+              <a:rPr lang="en-US" altLang="ja-JP" dirty="0" err="1"/>
+              <a:t>conference|published</a:t>
+            </a:r>
+            <a:endParaRPr kumimoji="1" lang="ja-JP" altLang="en-US" dirty="0"/>
+          </a:p>
+        </p:txBody>
+      </p:sp>
+      <p:sp>
+        <p:nvSpPr>
+          <p:cNvPr id="29" name="テキスト ボックス 28"/>
+          <p:cNvSpPr txBox="1"/>
+          <p:nvPr/>
+        </p:nvSpPr>
+        <p:spPr>
+          <a:xfrm>
+            <a:off x="165094" y="4454788"/>
+            <a:ext cx="8604448" cy="646331"/>
+          </a:xfrm>
+          <a:prstGeom prst="rect">
+            <a:avLst/>
+          </a:prstGeom>
+          <a:noFill/>
+        </p:spPr>
+        <p:txBody>
+          <a:bodyPr wrap="square" rtlCol="0">
+            <a:spAutoFit/>
+          </a:bodyPr>
+          <a:lstStyle/>
+          <a:p>
+            <a:r>
+              <a:rPr kumimoji="1" lang="en-US" altLang="ja-JP" dirty="0" smtClean="0"/>
+              <a:t>cited</a:t>
+            </a:r>
+            <a:r>
+              <a:rPr kumimoji="1" lang="ja-JP" altLang="en-US" dirty="0" smtClean="0"/>
+              <a:t>が多い論文 </a:t>
+            </a:r>
+            <a:r>
+              <a:rPr kumimoji="1" lang="en-US" altLang="ja-JP" dirty="0" smtClean="0"/>
+              <a:t>| </a:t>
+            </a:r>
+            <a:r>
+              <a:rPr kumimoji="1" lang="en-US" altLang="ja-JP" dirty="0" err="1" smtClean="0"/>
+              <a:t>confereneces</a:t>
+            </a:r>
+            <a:r>
+              <a:rPr kumimoji="1" lang="en-US" altLang="ja-JP" dirty="0" smtClean="0"/>
+              <a:t> &amp;&amp; keywords</a:t>
+            </a:r>
+          </a:p>
+          <a:p>
+            <a:r>
+              <a:rPr lang="ja-JP" altLang="en-US" dirty="0"/>
+              <a:t>そこ</a:t>
+            </a:r>
+            <a:r>
+              <a:rPr lang="ja-JP" altLang="en-US" dirty="0" smtClean="0"/>
+              <a:t>から</a:t>
+            </a:r>
+            <a:r>
+              <a:rPr lang="en-US" altLang="ja-JP" dirty="0" smtClean="0"/>
+              <a:t>citing</a:t>
+            </a:r>
+            <a:r>
+              <a:rPr lang="ja-JP" altLang="en-US" dirty="0" smtClean="0"/>
+              <a:t>で広げる</a:t>
+            </a:r>
+            <a:endParaRPr kumimoji="1" lang="ja-JP" altLang="en-US" dirty="0"/>
+          </a:p>
+        </p:txBody>
+      </p:sp>
+    </p:spTree>
+    <p:extLst>
+      <p:ext uri="{BB962C8B-B14F-4D97-AF65-F5344CB8AC3E}">
+        <p14:creationId xmlns:p14="http://schemas.microsoft.com/office/powerpoint/2010/main" val="418308260"/>
+      </p:ext>
+    </p:extLst>
   </p:cSld>
   <p:clrMapOvr>
     <a:masterClrMapping/>
@@ -5665,4 +7161,289 @@
   <a:objectDefaults/>
   <a:extraClrSchemeLst/>
 </a:theme>
+</file>
+
+<file path=ppt/theme/theme2.xml><?xml version="1.0" encoding="utf-8"?>
+<a:theme xmlns:a="http://schemas.openxmlformats.org/drawingml/2006/main" name="Office ​​テーマ">
+  <a:themeElements>
+    <a:clrScheme name="Office">
+      <a:dk1>
+        <a:sysClr val="windowText" lastClr="000000"/>
+      </a:dk1>
+      <a:lt1>
+        <a:sysClr val="window" lastClr="FFFFFF"/>
+      </a:lt1>
+      <a:dk2>
+        <a:srgbClr val="1F497D"/>
+      </a:dk2>
+      <a:lt2>
+        <a:srgbClr val="EEECE1"/>
+      </a:lt2>
+      <a:accent1>
+        <a:srgbClr val="4F81BD"/>
+      </a:accent1>
+      <a:accent2>
+        <a:srgbClr val="C0504D"/>
+      </a:accent2>
+      <a:accent3>
+        <a:srgbClr val="9BBB59"/>
+      </a:accent3>
+      <a:accent4>
+        <a:srgbClr val="8064A2"/>
+      </a:accent4>
+      <a:accent5>
+        <a:srgbClr val="4BACC6"/>
+      </a:accent5>
+      <a:accent6>
+        <a:srgbClr val="F79646"/>
+      </a:accent6>
+      <a:hlink>
+        <a:srgbClr val="0000FF"/>
+      </a:hlink>
+      <a:folHlink>
+        <a:srgbClr val="800080"/>
+      </a:folHlink>
+    </a:clrScheme>
+    <a:fontScheme name="Office">
+      <a:majorFont>
+        <a:latin typeface="Calibri"/>
+        <a:ea typeface=""/>
+        <a:cs typeface=""/>
+        <a:font script="Jpan" typeface="ＭＳ Ｐゴシック"/>
+        <a:font script="Hang" typeface="맑은 고딕"/>
+        <a:font script="Hans" typeface="宋体"/>
+        <a:font script="Hant" typeface="新細明體"/>
+        <a:font script="Arab" typeface="Times New Roman"/>
+        <a:font script="Hebr" typeface="Times New Roman"/>
+        <a:font script="Thai" typeface="Angsana New"/>
+        <a:font script="Ethi" typeface="Nyala"/>
+        <a:font script="Beng" typeface="Vrinda"/>
+        <a:font script="Gujr" typeface="Shruti"/>
+        <a:font script="Khmr" typeface="MoolBoran"/>
+        <a:font script="Knda" typeface="Tunga"/>
+        <a:font script="Guru" typeface="Raavi"/>
+        <a:font script="Cans" typeface="Euphemia"/>
+        <a:font script="Cher" typeface="Plantagenet Cherokee"/>
+        <a:font script="Yiii" typeface="Microsoft Yi Baiti"/>
+        <a:font script="Tibt" typeface="Microsoft Himalaya"/>
+        <a:font script="Thaa" typeface="MV Boli"/>
+        <a:font script="Deva" typeface="Mangal"/>
+        <a:font script="Telu" typeface="Gautami"/>
+        <a:font script="Taml" typeface="Latha"/>
+        <a:font script="Syrc" typeface="Estrangelo Edessa"/>
+        <a:font script="Orya" typeface="Kalinga"/>
+        <a:font script="Mlym" typeface="Kartika"/>
+        <a:font script="Laoo" typeface="DokChampa"/>
+        <a:font script="Sinh" typeface="Iskoola Pota"/>
+        <a:font script="Mong" typeface="Mongolian Baiti"/>
+        <a:font script="Viet" typeface="Times New Roman"/>
+        <a:font script="Uigh" typeface="Microsoft Uighur"/>
+        <a:font script="Geor" typeface="Sylfaen"/>
+      </a:majorFont>
+      <a:minorFont>
+        <a:latin typeface="Calibri"/>
+        <a:ea typeface=""/>
+        <a:cs typeface=""/>
+        <a:font script="Jpan" typeface="ＭＳ Ｐゴシック"/>
+        <a:font script="Hang" typeface="맑은 고딕"/>
+        <a:font script="Hans" typeface="宋体"/>
+        <a:font script="Hant" typeface="新細明體"/>
+        <a:font script="Arab" typeface="Arial"/>
+        <a:font script="Hebr" typeface="Arial"/>
+        <a:font script="Thai" typeface="Cordia New"/>
+        <a:font script="Ethi" typeface="Nyala"/>
+        <a:font script="Beng" typeface="Vrinda"/>
+        <a:font script="Gujr" typeface="Shruti"/>
+        <a:font script="Khmr" typeface="DaunPenh"/>
+        <a:font script="Knda" typeface="Tunga"/>
+        <a:font script="Guru" typeface="Raavi"/>
+        <a:font script="Cans" typeface="Euphemia"/>
+        <a:font script="Cher" typeface="Plantagenet Cherokee"/>
+        <a:font script="Yiii" typeface="Microsoft Yi Baiti"/>
+        <a:font script="Tibt" typeface="Microsoft Himalaya"/>
+        <a:font script="Thaa" typeface="MV Boli"/>
+        <a:font script="Deva" typeface="Mangal"/>
+        <a:font script="Telu" typeface="Gautami"/>
+        <a:font script="Taml" typeface="Latha"/>
+        <a:font script="Syrc" typeface="Estrangelo Edessa"/>
+        <a:font script="Orya" typeface="Kalinga"/>
+        <a:font script="Mlym" typeface="Kartika"/>
+        <a:font script="Laoo" typeface="DokChampa"/>
+        <a:font script="Sinh" typeface="Iskoola Pota"/>
+        <a:font script="Mong" typeface="Mongolian Baiti"/>
+        <a:font script="Viet" typeface="Arial"/>
+        <a:font script="Uigh" typeface="Microsoft Uighur"/>
+        <a:font script="Geor" typeface="Sylfaen"/>
+      </a:minorFont>
+    </a:fontScheme>
+    <a:fmtScheme name="Office">
+      <a:fillStyleLst>
+        <a:solidFill>
+          <a:schemeClr val="phClr"/>
+        </a:solidFill>
+        <a:gradFill rotWithShape="1">
+          <a:gsLst>
+            <a:gs pos="0">
+              <a:schemeClr val="phClr">
+                <a:tint val="50000"/>
+                <a:satMod val="300000"/>
+              </a:schemeClr>
+            </a:gs>
+            <a:gs pos="35000">
+              <a:schemeClr val="phClr">
+                <a:tint val="37000"/>
+                <a:satMod val="300000"/>
+              </a:schemeClr>
+            </a:gs>
+            <a:gs pos="100000">
+              <a:schemeClr val="phClr">
+                <a:tint val="15000"/>
+                <a:satMod val="350000"/>
+              </a:schemeClr>
+            </a:gs>
+          </a:gsLst>
+          <a:lin ang="16200000" scaled="1"/>
+        </a:gradFill>
+        <a:gradFill rotWithShape="1">
+          <a:gsLst>
+            <a:gs pos="0">
+              <a:schemeClr val="phClr">
+                <a:shade val="51000"/>
+                <a:satMod val="130000"/>
+              </a:schemeClr>
+            </a:gs>
+            <a:gs pos="80000">
+              <a:schemeClr val="phClr">
+                <a:shade val="93000"/>
+                <a:satMod val="130000"/>
+              </a:schemeClr>
+            </a:gs>
+            <a:gs pos="100000">
+              <a:schemeClr val="phClr">
+                <a:shade val="94000"/>
+                <a:satMod val="135000"/>
+              </a:schemeClr>
+            </a:gs>
+          </a:gsLst>
+          <a:lin ang="16200000" scaled="0"/>
+        </a:gradFill>
+      </a:fillStyleLst>
+      <a:lnStyleLst>
+        <a:ln w="9525" cap="flat" cmpd="sng" algn="ctr">
+          <a:solidFill>
+            <a:schemeClr val="phClr">
+              <a:shade val="95000"/>
+              <a:satMod val="105000"/>
+            </a:schemeClr>
+          </a:solidFill>
+          <a:prstDash val="solid"/>
+        </a:ln>
+        <a:ln w="25400" cap="flat" cmpd="sng" algn="ctr">
+          <a:solidFill>
+            <a:schemeClr val="phClr"/>
+          </a:solidFill>
+          <a:prstDash val="solid"/>
+        </a:ln>
+        <a:ln w="38100" cap="flat" cmpd="sng" algn="ctr">
+          <a:solidFill>
+            <a:schemeClr val="phClr"/>
+          </a:solidFill>
+          <a:prstDash val="solid"/>
+        </a:ln>
+      </a:lnStyleLst>
+      <a:effectStyleLst>
+        <a:effectStyle>
+          <a:effectLst>
+            <a:outerShdw blurRad="40000" dist="20000" dir="5400000" rotWithShape="0">
+              <a:srgbClr val="000000">
+                <a:alpha val="38000"/>
+              </a:srgbClr>
+            </a:outerShdw>
+          </a:effectLst>
+        </a:effectStyle>
+        <a:effectStyle>
+          <a:effectLst>
+            <a:outerShdw blurRad="40000" dist="23000" dir="5400000" rotWithShape="0">
+              <a:srgbClr val="000000">
+                <a:alpha val="35000"/>
+              </a:srgbClr>
+            </a:outerShdw>
+          </a:effectLst>
+        </a:effectStyle>
+        <a:effectStyle>
+          <a:effectLst>
+            <a:outerShdw blurRad="40000" dist="23000" dir="5400000" rotWithShape="0">
+              <a:srgbClr val="000000">
+                <a:alpha val="35000"/>
+              </a:srgbClr>
+            </a:outerShdw>
+          </a:effectLst>
+          <a:scene3d>
+            <a:camera prst="orthographicFront">
+              <a:rot lat="0" lon="0" rev="0"/>
+            </a:camera>
+            <a:lightRig rig="threePt" dir="t">
+              <a:rot lat="0" lon="0" rev="1200000"/>
+            </a:lightRig>
+          </a:scene3d>
+          <a:sp3d>
+            <a:bevelT w="63500" h="25400"/>
+          </a:sp3d>
+        </a:effectStyle>
+      </a:effectStyleLst>
+      <a:bgFillStyleLst>
+        <a:solidFill>
+          <a:schemeClr val="phClr"/>
+        </a:solidFill>
+        <a:gradFill rotWithShape="1">
+          <a:gsLst>
+            <a:gs pos="0">
+              <a:schemeClr val="phClr">
+                <a:tint val="40000"/>
+                <a:satMod val="350000"/>
+              </a:schemeClr>
+            </a:gs>
+            <a:gs pos="40000">
+              <a:schemeClr val="phClr">
+                <a:tint val="45000"/>
+                <a:shade val="99000"/>
+                <a:satMod val="350000"/>
+              </a:schemeClr>
+            </a:gs>
+            <a:gs pos="100000">
+              <a:schemeClr val="phClr">
+                <a:shade val="20000"/>
+                <a:satMod val="255000"/>
+              </a:schemeClr>
+            </a:gs>
+          </a:gsLst>
+          <a:path path="circle">
+            <a:fillToRect l="50000" t="-80000" r="50000" b="180000"/>
+          </a:path>
+        </a:gradFill>
+        <a:gradFill rotWithShape="1">
+          <a:gsLst>
+            <a:gs pos="0">
+              <a:schemeClr val="phClr">
+                <a:tint val="80000"/>
+                <a:satMod val="300000"/>
+              </a:schemeClr>
+            </a:gs>
+            <a:gs pos="100000">
+              <a:schemeClr val="phClr">
+                <a:shade val="30000"/>
+                <a:satMod val="200000"/>
+              </a:schemeClr>
+            </a:gs>
+          </a:gsLst>
+          <a:path path="circle">
+            <a:fillToRect l="50000" t="50000" r="50000" b="50000"/>
+          </a:path>
+        </a:gradFill>
+      </a:bgFillStyleLst>
+    </a:fmtScheme>
+  </a:themeElements>
+  <a:objectDefaults/>
+  <a:extraClrSchemeLst/>
+</a:theme>
 </file>
--- a/no_logo.pptx
+++ b/no_logo.pptx
@@ -5,13 +5,14 @@
     <p:sldMasterId id="2147483648" r:id="rId1"/>
   </p:sldMasterIdLst>
   <p:notesMasterIdLst>
-    <p:notesMasterId r:id="rId6"/>
+    <p:notesMasterId r:id="rId7"/>
   </p:notesMasterIdLst>
   <p:sldIdLst>
     <p:sldId id="256" r:id="rId2"/>
     <p:sldId id="257" r:id="rId3"/>
     <p:sldId id="258" r:id="rId4"/>
     <p:sldId id="259" r:id="rId5"/>
+    <p:sldId id="260" r:id="rId6"/>
   </p:sldIdLst>
   <p:sldSz cx="9144000" cy="6858000" type="screen4x3"/>
   <p:notesSz cx="6858000" cy="9144000"/>
@@ -195,6 +196,7 @@
           <a:p>
             <a:fld id="{5DACFE02-16DB-4319-BE21-AE1ACF31538B}" type="datetimeFigureOut">
               <a:rPr kumimoji="1" lang="ja-JP" altLang="en-US" smtClean="0"/>
+              <a:pPr/>
               <a:t>2017/4/12</a:t>
             </a:fld>
             <a:endParaRPr kumimoji="1" lang="ja-JP" altLang="en-US"/>
@@ -386,7 +388,8 @@
           <a:p>
             <a:fld id="{29C0C938-7192-4937-8C47-AD72099D0370}" type="slidenum">
               <a:rPr kumimoji="1" lang="ja-JP" altLang="en-US" smtClean="0"/>
-              <a:t>‹#›</a:t>
+              <a:pPr/>
+              <a:t>&lt;#&gt;</a:t>
             </a:fld>
             <a:endParaRPr kumimoji="1" lang="ja-JP" altLang="en-US"/>
           </a:p>
@@ -395,7 +398,7 @@
     </p:spTree>
     <p:extLst>
       <p:ext uri="{BB962C8B-B14F-4D97-AF65-F5344CB8AC3E}">
-        <p14:creationId xmlns:p14="http://schemas.microsoft.com/office/powerpoint/2010/main" val="1658270193"/>
+        <p14:creationId xmlns:p14="http://schemas.microsoft.com/office/powerpoint/2010/main" xmlns="" val="1658270193"/>
       </p:ext>
     </p:extLst>
   </p:cSld>
@@ -590,6 +593,7 @@
           <a:p>
             <a:fld id="{29C0C938-7192-4937-8C47-AD72099D0370}" type="slidenum">
               <a:rPr kumimoji="1" lang="ja-JP" altLang="en-US" smtClean="0"/>
+              <a:pPr/>
               <a:t>4</a:t>
             </a:fld>
             <a:endParaRPr kumimoji="1" lang="ja-JP" altLang="en-US"/>
@@ -599,7 +603,7 @@
     </p:spTree>
     <p:extLst>
       <p:ext uri="{BB962C8B-B14F-4D97-AF65-F5344CB8AC3E}">
-        <p14:creationId xmlns:p14="http://schemas.microsoft.com/office/powerpoint/2010/main" val="637656149"/>
+        <p14:creationId xmlns:p14="http://schemas.microsoft.com/office/powerpoint/2010/main" xmlns="" val="637656149"/>
       </p:ext>
     </p:extLst>
   </p:cSld>
@@ -834,7 +838,7 @@
             <a:fld id="{D2D8002D-B5B0-4BAC-B1F6-782DDCCE6D9C}" type="slidenum">
               <a:rPr kumimoji="1" lang="ja-JP" altLang="en-US" smtClean="0"/>
               <a:pPr/>
-              <a:t>‹#›</a:t>
+              <a:t>&lt;#&gt;</a:t>
             </a:fld>
             <a:endParaRPr kumimoji="1" lang="ja-JP" altLang="en-US"/>
           </a:p>
@@ -1033,7 +1037,7 @@
             <a:fld id="{D2D8002D-B5B0-4BAC-B1F6-782DDCCE6D9C}" type="slidenum">
               <a:rPr kumimoji="1" lang="ja-JP" altLang="en-US" smtClean="0"/>
               <a:pPr/>
-              <a:t>‹#›</a:t>
+              <a:t>&lt;#&gt;</a:t>
             </a:fld>
             <a:endParaRPr kumimoji="1" lang="ja-JP" altLang="en-US"/>
           </a:p>
@@ -1242,7 +1246,7 @@
             <a:fld id="{D2D8002D-B5B0-4BAC-B1F6-782DDCCE6D9C}" type="slidenum">
               <a:rPr kumimoji="1" lang="ja-JP" altLang="en-US" smtClean="0"/>
               <a:pPr/>
-              <a:t>‹#›</a:t>
+              <a:t>&lt;#&gt;</a:t>
             </a:fld>
             <a:endParaRPr kumimoji="1" lang="ja-JP" altLang="en-US"/>
           </a:p>
@@ -1441,7 +1445,7 @@
             <a:fld id="{D2D8002D-B5B0-4BAC-B1F6-782DDCCE6D9C}" type="slidenum">
               <a:rPr kumimoji="1" lang="ja-JP" altLang="en-US" smtClean="0"/>
               <a:pPr/>
-              <a:t>‹#›</a:t>
+              <a:t>&lt;#&gt;</a:t>
             </a:fld>
             <a:endParaRPr kumimoji="1" lang="ja-JP" altLang="en-US"/>
           </a:p>
@@ -1684,7 +1688,7 @@
             <a:fld id="{D2D8002D-B5B0-4BAC-B1F6-782DDCCE6D9C}" type="slidenum">
               <a:rPr kumimoji="1" lang="ja-JP" altLang="en-US" smtClean="0"/>
               <a:pPr/>
-              <a:t>‹#›</a:t>
+              <a:t>&lt;#&gt;</a:t>
             </a:fld>
             <a:endParaRPr kumimoji="1" lang="ja-JP" altLang="en-US"/>
           </a:p>
@@ -2033,7 +2037,7 @@
             <a:fld id="{D2D8002D-B5B0-4BAC-B1F6-782DDCCE6D9C}" type="slidenum">
               <a:rPr kumimoji="1" lang="ja-JP" altLang="en-US" smtClean="0"/>
               <a:pPr/>
-              <a:t>‹#›</a:t>
+              <a:t>&lt;#&gt;</a:t>
             </a:fld>
             <a:endParaRPr kumimoji="1" lang="ja-JP" altLang="en-US"/>
           </a:p>
@@ -2516,7 +2520,7 @@
             <a:fld id="{D2D8002D-B5B0-4BAC-B1F6-782DDCCE6D9C}" type="slidenum">
               <a:rPr kumimoji="1" lang="ja-JP" altLang="en-US" smtClean="0"/>
               <a:pPr/>
-              <a:t>‹#›</a:t>
+              <a:t>&lt;#&gt;</a:t>
             </a:fld>
             <a:endParaRPr kumimoji="1" lang="ja-JP" altLang="en-US"/>
           </a:p>
@@ -2631,7 +2635,7 @@
             <a:fld id="{D2D8002D-B5B0-4BAC-B1F6-782DDCCE6D9C}" type="slidenum">
               <a:rPr kumimoji="1" lang="ja-JP" altLang="en-US" smtClean="0"/>
               <a:pPr/>
-              <a:t>‹#›</a:t>
+              <a:t>&lt;#&gt;</a:t>
             </a:fld>
             <a:endParaRPr kumimoji="1" lang="ja-JP" altLang="en-US"/>
           </a:p>
@@ -2723,7 +2727,7 @@
             <a:fld id="{D2D8002D-B5B0-4BAC-B1F6-782DDCCE6D9C}" type="slidenum">
               <a:rPr kumimoji="1" lang="ja-JP" altLang="en-US" smtClean="0"/>
               <a:pPr/>
-              <a:t>‹#›</a:t>
+              <a:t>&lt;#&gt;</a:t>
             </a:fld>
             <a:endParaRPr kumimoji="1" lang="ja-JP" altLang="en-US"/>
           </a:p>
@@ -3029,7 +3033,7 @@
             <a:fld id="{D2D8002D-B5B0-4BAC-B1F6-782DDCCE6D9C}" type="slidenum">
               <a:rPr kumimoji="1" lang="ja-JP" altLang="en-US" smtClean="0"/>
               <a:pPr/>
-              <a:t>‹#›</a:t>
+              <a:t>&lt;#&gt;</a:t>
             </a:fld>
             <a:endParaRPr kumimoji="1" lang="ja-JP" altLang="en-US"/>
           </a:p>
@@ -3279,7 +3283,7 @@
             <a:fld id="{D2D8002D-B5B0-4BAC-B1F6-782DDCCE6D9C}" type="slidenum">
               <a:rPr kumimoji="1" lang="ja-JP" altLang="en-US" smtClean="0"/>
               <a:pPr/>
-              <a:t>‹#›</a:t>
+              <a:t>&lt;#&gt;</a:t>
             </a:fld>
             <a:endParaRPr kumimoji="1" lang="ja-JP" altLang="en-US"/>
           </a:p>
@@ -3557,7 +3561,7 @@
             <a:fld id="{D2D8002D-B5B0-4BAC-B1F6-782DDCCE6D9C}" type="slidenum">
               <a:rPr kumimoji="1" lang="ja-JP" altLang="en-US" smtClean="0"/>
               <a:pPr/>
-              <a:t>‹#›</a:t>
+              <a:t>&lt;#&gt;</a:t>
             </a:fld>
             <a:endParaRPr kumimoji="1" lang="ja-JP" altLang="en-US"/>
           </a:p>
@@ -6870,9 +6874,343 @@
     </p:spTree>
     <p:extLst>
       <p:ext uri="{BB962C8B-B14F-4D97-AF65-F5344CB8AC3E}">
-        <p14:creationId xmlns:p14="http://schemas.microsoft.com/office/powerpoint/2010/main" val="418308260"/>
+        <p14:creationId xmlns:p14="http://schemas.microsoft.com/office/powerpoint/2010/main" xmlns="" val="418308260"/>
       </p:ext>
     </p:extLst>
+  </p:cSld>
+  <p:clrMapOvr>
+    <a:masterClrMapping/>
+  </p:clrMapOvr>
+</p:sld>
+</file>
+
+<file path=ppt/slides/slide5.xml><?xml version="1.0" encoding="utf-8"?>
+<p:sld xmlns:a="http://schemas.openxmlformats.org/drawingml/2006/main" xmlns:r="http://schemas.openxmlformats.org/officeDocument/2006/relationships" xmlns:p="http://schemas.openxmlformats.org/presentationml/2006/main">
+  <p:cSld>
+    <p:spTree>
+      <p:nvGrpSpPr>
+        <p:cNvPr id="1" name=""/>
+        <p:cNvGrpSpPr/>
+        <p:nvPr/>
+      </p:nvGrpSpPr>
+      <p:grpSpPr>
+        <a:xfrm>
+          <a:off x="0" y="0"/>
+          <a:ext cx="0" cy="0"/>
+          <a:chOff x="0" y="0"/>
+          <a:chExt cx="0" cy="0"/>
+        </a:xfrm>
+      </p:grpSpPr>
+      <p:sp>
+        <p:nvSpPr>
+          <p:cNvPr id="2" name="タイトル 1"/>
+          <p:cNvSpPr>
+            <a:spLocks noGrp="1"/>
+          </p:cNvSpPr>
+          <p:nvPr>
+            <p:ph type="title"/>
+          </p:nvPr>
+        </p:nvSpPr>
+        <p:spPr/>
+        <p:txBody>
+          <a:bodyPr/>
+          <a:lstStyle/>
+          <a:p>
+            <a:endParaRPr kumimoji="1" lang="ja-JP" altLang="en-US"/>
+          </a:p>
+        </p:txBody>
+      </p:sp>
+      <p:sp>
+        <p:nvSpPr>
+          <p:cNvPr id="3" name="コンテンツ プレースホルダ 2"/>
+          <p:cNvSpPr>
+            <a:spLocks noGrp="1"/>
+          </p:cNvSpPr>
+          <p:nvPr>
+            <p:ph idx="1"/>
+          </p:nvPr>
+        </p:nvSpPr>
+        <p:spPr/>
+        <p:txBody>
+          <a:bodyPr>
+            <a:normAutofit fontScale="70000" lnSpcReduction="20000"/>
+          </a:bodyPr>
+          <a:lstStyle/>
+          <a:p>
+            <a:r>
+              <a:rPr kumimoji="1" lang="en-US" altLang="ja-JP" dirty="0" smtClean="0"/>
+              <a:t>id</a:t>
+            </a:r>
+            <a:r>
+              <a:rPr kumimoji="1" lang="ja-JP" altLang="en-US" dirty="0" smtClean="0"/>
+              <a:t>の払い出し</a:t>
+            </a:r>
+            <a:endParaRPr kumimoji="1" lang="en-US" altLang="ja-JP" dirty="0" smtClean="0"/>
+          </a:p>
+          <a:p>
+            <a:pPr lvl="1"/>
+            <a:r>
+              <a:rPr lang="ja-JP" altLang="en-US" dirty="0" smtClean="0"/>
+              <a:t>今</a:t>
+            </a:r>
+            <a:r>
+              <a:rPr lang="ja-JP" altLang="en-US" dirty="0" smtClean="0"/>
+              <a:t>まで</a:t>
+            </a:r>
+            <a:endParaRPr lang="en-US" altLang="ja-JP" dirty="0" smtClean="0"/>
+          </a:p>
+          <a:p>
+            <a:pPr lvl="2"/>
+            <a:r>
+              <a:rPr lang="ja-JP" altLang="en-US" dirty="0" smtClean="0"/>
+              <a:t>空いてる</a:t>
+            </a:r>
+            <a:r>
+              <a:rPr lang="en-US" altLang="ja-JP" dirty="0" smtClean="0"/>
+              <a:t>id</a:t>
+            </a:r>
+          </a:p>
+          <a:p>
+            <a:pPr lvl="1"/>
+            <a:r>
+              <a:rPr kumimoji="1" lang="ja-JP" altLang="en-US" dirty="0" smtClean="0"/>
+              <a:t>これから</a:t>
+            </a:r>
+            <a:endParaRPr kumimoji="1" lang="en-US" altLang="ja-JP" dirty="0" smtClean="0"/>
+          </a:p>
+          <a:p>
+            <a:pPr lvl="2"/>
+            <a:r>
+              <a:rPr lang="ja-JP" altLang="en-US" dirty="0" smtClean="0"/>
+              <a:t>タイトルが同じなら同じ</a:t>
+            </a:r>
+            <a:r>
+              <a:rPr lang="en-US" altLang="ja-JP" dirty="0" smtClean="0"/>
+              <a:t>id</a:t>
+            </a:r>
+          </a:p>
+          <a:p>
+            <a:pPr lvl="3"/>
+            <a:r>
+              <a:rPr lang="en-US" altLang="ja-JP" dirty="0" smtClean="0"/>
+              <a:t>citations</a:t>
+            </a:r>
+            <a:r>
+              <a:rPr lang="ja-JP" altLang="en-US" dirty="0" smtClean="0"/>
+              <a:t>の張替えを減らすため</a:t>
+            </a:r>
+            <a:endParaRPr lang="en-US" altLang="ja-JP" dirty="0" smtClean="0"/>
+          </a:p>
+          <a:p>
+            <a:pPr lvl="2"/>
+            <a:r>
+              <a:rPr lang="ja-JP" altLang="en-US" dirty="0" smtClean="0"/>
+              <a:t>同じ</a:t>
+            </a:r>
+            <a:r>
+              <a:rPr lang="ja-JP" altLang="en-US" dirty="0" smtClean="0"/>
+              <a:t>タイトルの異なる</a:t>
+            </a:r>
+            <a:r>
+              <a:rPr lang="en-US" altLang="ja-JP" dirty="0" smtClean="0"/>
+              <a:t>id</a:t>
+            </a:r>
+            <a:r>
+              <a:rPr lang="ja-JP" altLang="en-US" smtClean="0"/>
+              <a:t>があれば一番小さいの</a:t>
+            </a:r>
+            <a:endParaRPr lang="en-US" altLang="ja-JP" dirty="0" smtClean="0"/>
+          </a:p>
+          <a:p>
+            <a:r>
+              <a:rPr lang="en-US" altLang="ja-JP" dirty="0" err="1" smtClean="0"/>
+              <a:t>renewal_insert</a:t>
+            </a:r>
+            <a:endParaRPr lang="en-US" altLang="ja-JP" dirty="0" smtClean="0"/>
+          </a:p>
+          <a:p>
+            <a:pPr lvl="1"/>
+            <a:r>
+              <a:rPr lang="en-US" altLang="ja-JP" dirty="0" smtClean="0"/>
+              <a:t>title</a:t>
+            </a:r>
+            <a:r>
+              <a:rPr lang="ja-JP" altLang="en-US" dirty="0" smtClean="0"/>
+              <a:t>が同じ</a:t>
+            </a:r>
+            <a:r>
+              <a:rPr lang="en-US" altLang="ja-JP" dirty="0" smtClean="0"/>
+              <a:t>records</a:t>
+            </a:r>
+            <a:r>
+              <a:rPr lang="ja-JP" altLang="en-US" dirty="0" smtClean="0"/>
+              <a:t>を</a:t>
+            </a:r>
+            <a:r>
+              <a:rPr lang="en-US" altLang="ja-JP" dirty="0" smtClean="0"/>
+              <a:t>load</a:t>
+            </a:r>
+          </a:p>
+          <a:p>
+            <a:pPr lvl="1"/>
+            <a:r>
+              <a:rPr lang="en-US" altLang="ja-JP" dirty="0" smtClean="0"/>
+              <a:t>records + self</a:t>
+            </a:r>
+            <a:r>
+              <a:rPr lang="ja-JP" altLang="en-US" dirty="0" smtClean="0"/>
+              <a:t>で</a:t>
+            </a:r>
+            <a:endParaRPr lang="en-US" altLang="ja-JP" dirty="0" smtClean="0"/>
+          </a:p>
+          <a:p>
+            <a:pPr lvl="2"/>
+            <a:r>
+              <a:rPr lang="en-US" altLang="ja-JP" dirty="0" smtClean="0"/>
+              <a:t>“” &lt; “</a:t>
+            </a:r>
+            <a:r>
+              <a:rPr lang="en-US" altLang="ja-JP" dirty="0" err="1" smtClean="0"/>
+              <a:t>aaa</a:t>
+            </a:r>
+            <a:r>
+              <a:rPr lang="en-US" altLang="ja-JP" dirty="0" smtClean="0"/>
+              <a:t>”</a:t>
+            </a:r>
+          </a:p>
+          <a:p>
+            <a:pPr lvl="2"/>
+            <a:r>
+              <a:rPr lang="ja-JP" altLang="en-US" dirty="0" smtClean="0"/>
+              <a:t>異なる内容が存在すれば</a:t>
+            </a:r>
+            <a:r>
+              <a:rPr lang="en-US" altLang="ja-JP" dirty="0" smtClean="0"/>
+              <a:t>timestamp</a:t>
+            </a:r>
+            <a:r>
+              <a:rPr lang="ja-JP" altLang="en-US" dirty="0" smtClean="0"/>
+              <a:t>の新しい方優先</a:t>
+            </a:r>
+            <a:endParaRPr lang="en-US" altLang="ja-JP" dirty="0" smtClean="0"/>
+          </a:p>
+          <a:p>
+            <a:pPr lvl="2"/>
+            <a:r>
+              <a:rPr lang="en-US" altLang="ja-JP" dirty="0" smtClean="0"/>
+              <a:t>id</a:t>
+            </a:r>
+            <a:r>
+              <a:rPr lang="ja-JP" altLang="en-US" dirty="0" smtClean="0"/>
+              <a:t>がすべて同じなら</a:t>
+            </a:r>
+            <a:r>
+              <a:rPr lang="en-US" altLang="ja-JP" dirty="0" smtClean="0"/>
+              <a:t>records</a:t>
+            </a:r>
+            <a:r>
+              <a:rPr lang="ja-JP" altLang="en-US" dirty="0" smtClean="0"/>
+              <a:t>の元を削除して</a:t>
+            </a:r>
+            <a:r>
+              <a:rPr lang="en-US" altLang="ja-JP" dirty="0" smtClean="0"/>
+              <a:t>self</a:t>
+            </a:r>
+            <a:r>
+              <a:rPr lang="ja-JP" altLang="en-US" dirty="0" smtClean="0"/>
+              <a:t>を</a:t>
+            </a:r>
+            <a:r>
+              <a:rPr lang="en-US" altLang="ja-JP" dirty="0" smtClean="0"/>
+              <a:t>insert</a:t>
+            </a:r>
+          </a:p>
+          <a:p>
+            <a:pPr lvl="2"/>
+            <a:r>
+              <a:rPr kumimoji="1" lang="en-US" altLang="ja-JP" dirty="0" smtClean="0"/>
+              <a:t>id</a:t>
+            </a:r>
+            <a:r>
+              <a:rPr kumimoji="1" lang="ja-JP" altLang="en-US" dirty="0" smtClean="0"/>
+              <a:t>が異なれば</a:t>
+            </a:r>
+            <a:r>
+              <a:rPr kumimoji="1" lang="en-US" altLang="ja-JP" dirty="0" smtClean="0"/>
+              <a:t>citations</a:t>
+            </a:r>
+            <a:r>
+              <a:rPr kumimoji="1" lang="ja-JP" altLang="en-US" dirty="0" smtClean="0"/>
+              <a:t>張替えして</a:t>
+            </a:r>
+            <a:r>
+              <a:rPr kumimoji="1" lang="en-US" altLang="ja-JP" dirty="0" smtClean="0"/>
+              <a:t>id</a:t>
+            </a:r>
+            <a:r>
+              <a:rPr kumimoji="1" lang="ja-JP" altLang="en-US" dirty="0" smtClean="0"/>
+              <a:t>は</a:t>
+            </a:r>
+            <a:r>
+              <a:rPr kumimoji="1" lang="en-US" altLang="ja-JP" dirty="0" smtClean="0"/>
+              <a:t>self</a:t>
+            </a:r>
+            <a:r>
+              <a:rPr kumimoji="1" lang="ja-JP" altLang="en-US" dirty="0" smtClean="0"/>
+              <a:t>のものをつかって</a:t>
+            </a:r>
+            <a:r>
+              <a:rPr kumimoji="1" lang="en-US" altLang="ja-JP" dirty="0" smtClean="0"/>
+              <a:t>records</a:t>
+            </a:r>
+            <a:r>
+              <a:rPr kumimoji="1" lang="ja-JP" altLang="en-US" dirty="0" smtClean="0"/>
+              <a:t>の元を削除して</a:t>
+            </a:r>
+            <a:r>
+              <a:rPr kumimoji="1" lang="en-US" altLang="ja-JP" dirty="0" smtClean="0"/>
+              <a:t>self</a:t>
+            </a:r>
+            <a:r>
+              <a:rPr kumimoji="1" lang="ja-JP" altLang="en-US" dirty="0" smtClean="0"/>
+              <a:t>を</a:t>
+            </a:r>
+            <a:r>
+              <a:rPr kumimoji="1" lang="en-US" altLang="ja-JP" dirty="0" smtClean="0"/>
+              <a:t>insert</a:t>
+            </a:r>
+          </a:p>
+          <a:p>
+            <a:pPr lvl="3"/>
+            <a:r>
+              <a:rPr lang="en-US" altLang="ja-JP" dirty="0" smtClean="0"/>
+              <a:t>start , end </a:t>
+            </a:r>
+            <a:r>
+              <a:rPr lang="ja-JP" altLang="en-US" dirty="0" smtClean="0"/>
+              <a:t>共</a:t>
+            </a:r>
+            <a:r>
+              <a:rPr lang="en-US" altLang="ja-JP" dirty="0" smtClean="0"/>
+              <a:t>ids</a:t>
+            </a:r>
+            <a:r>
+              <a:rPr lang="ja-JP" altLang="en-US" dirty="0" smtClean="0"/>
+              <a:t>のレコードを</a:t>
+            </a:r>
+            <a:r>
+              <a:rPr lang="en-US" altLang="ja-JP" dirty="0" smtClean="0"/>
+              <a:t>self.id</a:t>
+            </a:r>
+            <a:r>
+              <a:rPr lang="ja-JP" altLang="en-US" dirty="0" smtClean="0"/>
+              <a:t>に変更</a:t>
+            </a:r>
+            <a:endParaRPr kumimoji="1" lang="ja-JP" altLang="en-US" dirty="0"/>
+          </a:p>
+        </p:txBody>
+      </p:sp>
+    </p:spTree>
   </p:cSld>
   <p:clrMapOvr>
     <a:masterClrMapping/>

--- a/no_logo.pptx
+++ b/no_logo.pptx
@@ -5,7 +5,7 @@
     <p:sldMasterId id="2147483648" r:id="rId1"/>
   </p:sldMasterIdLst>
   <p:notesMasterIdLst>
-    <p:notesMasterId r:id="rId7"/>
+    <p:notesMasterId r:id="rId8"/>
   </p:notesMasterIdLst>
   <p:sldIdLst>
     <p:sldId id="256" r:id="rId2"/>
@@ -13,6 +13,7 @@
     <p:sldId id="258" r:id="rId4"/>
     <p:sldId id="259" r:id="rId5"/>
     <p:sldId id="260" r:id="rId6"/>
+    <p:sldId id="261" r:id="rId7"/>
   </p:sldIdLst>
   <p:sldSz cx="9144000" cy="6858000" type="screen4x3"/>
   <p:notesSz cx="6858000" cy="9144000"/>
@@ -197,7 +198,7 @@
             <a:fld id="{5DACFE02-16DB-4319-BE21-AE1ACF31538B}" type="datetimeFigureOut">
               <a:rPr kumimoji="1" lang="ja-JP" altLang="en-US" smtClean="0"/>
               <a:pPr/>
-              <a:t>2017/4/12</a:t>
+              <a:t>2017/4/13</a:t>
             </a:fld>
             <a:endParaRPr kumimoji="1" lang="ja-JP" altLang="en-US"/>
           </a:p>
@@ -389,7 +390,7 @@
             <a:fld id="{29C0C938-7192-4937-8C47-AD72099D0370}" type="slidenum">
               <a:rPr kumimoji="1" lang="ja-JP" altLang="en-US" smtClean="0"/>
               <a:pPr/>
-              <a:t>&lt;#&gt;</a:t>
+              <a:t>‹#›</a:t>
             </a:fld>
             <a:endParaRPr kumimoji="1" lang="ja-JP" altLang="en-US"/>
           </a:p>
@@ -398,7 +399,7 @@
     </p:spTree>
     <p:extLst>
       <p:ext uri="{BB962C8B-B14F-4D97-AF65-F5344CB8AC3E}">
-        <p14:creationId xmlns:p14="http://schemas.microsoft.com/office/powerpoint/2010/main" xmlns="" val="1658270193"/>
+        <p14:creationId xmlns:p14="http://schemas.microsoft.com/office/powerpoint/2010/main" val="1658270193"/>
       </p:ext>
     </p:extLst>
   </p:cSld>
@@ -603,7 +604,7 @@
     </p:spTree>
     <p:extLst>
       <p:ext uri="{BB962C8B-B14F-4D97-AF65-F5344CB8AC3E}">
-        <p14:creationId xmlns:p14="http://schemas.microsoft.com/office/powerpoint/2010/main" xmlns="" val="637656149"/>
+        <p14:creationId xmlns:p14="http://schemas.microsoft.com/office/powerpoint/2010/main" val="637656149"/>
       </p:ext>
     </p:extLst>
   </p:cSld>
@@ -795,7 +796,7 @@
             <a:fld id="{E90ED720-0104-4369-84BC-D37694168613}" type="datetimeFigureOut">
               <a:rPr kumimoji="1" lang="ja-JP" altLang="en-US" smtClean="0"/>
               <a:pPr/>
-              <a:t>2017/4/12</a:t>
+              <a:t>2017/4/13</a:t>
             </a:fld>
             <a:endParaRPr kumimoji="1" lang="ja-JP" altLang="en-US"/>
           </a:p>
@@ -838,7 +839,7 @@
             <a:fld id="{D2D8002D-B5B0-4BAC-B1F6-782DDCCE6D9C}" type="slidenum">
               <a:rPr kumimoji="1" lang="ja-JP" altLang="en-US" smtClean="0"/>
               <a:pPr/>
-              <a:t>&lt;#&gt;</a:t>
+              <a:t>‹#›</a:t>
             </a:fld>
             <a:endParaRPr kumimoji="1" lang="ja-JP" altLang="en-US"/>
           </a:p>
@@ -994,7 +995,7 @@
             <a:fld id="{E90ED720-0104-4369-84BC-D37694168613}" type="datetimeFigureOut">
               <a:rPr kumimoji="1" lang="ja-JP" altLang="en-US" smtClean="0"/>
               <a:pPr/>
-              <a:t>2017/4/12</a:t>
+              <a:t>2017/4/13</a:t>
             </a:fld>
             <a:endParaRPr kumimoji="1" lang="ja-JP" altLang="en-US"/>
           </a:p>
@@ -1037,7 +1038,7 @@
             <a:fld id="{D2D8002D-B5B0-4BAC-B1F6-782DDCCE6D9C}" type="slidenum">
               <a:rPr kumimoji="1" lang="ja-JP" altLang="en-US" smtClean="0"/>
               <a:pPr/>
-              <a:t>&lt;#&gt;</a:t>
+              <a:t>‹#›</a:t>
             </a:fld>
             <a:endParaRPr kumimoji="1" lang="ja-JP" altLang="en-US"/>
           </a:p>
@@ -1203,7 +1204,7 @@
             <a:fld id="{E90ED720-0104-4369-84BC-D37694168613}" type="datetimeFigureOut">
               <a:rPr kumimoji="1" lang="ja-JP" altLang="en-US" smtClean="0"/>
               <a:pPr/>
-              <a:t>2017/4/12</a:t>
+              <a:t>2017/4/13</a:t>
             </a:fld>
             <a:endParaRPr kumimoji="1" lang="ja-JP" altLang="en-US"/>
           </a:p>
@@ -1246,7 +1247,7 @@
             <a:fld id="{D2D8002D-B5B0-4BAC-B1F6-782DDCCE6D9C}" type="slidenum">
               <a:rPr kumimoji="1" lang="ja-JP" altLang="en-US" smtClean="0"/>
               <a:pPr/>
-              <a:t>&lt;#&gt;</a:t>
+              <a:t>‹#›</a:t>
             </a:fld>
             <a:endParaRPr kumimoji="1" lang="ja-JP" altLang="en-US"/>
           </a:p>
@@ -1287,7 +1288,12 @@
             <p:ph type="title"/>
           </p:nvPr>
         </p:nvSpPr>
-        <p:spPr/>
+        <p:spPr>
+          <a:xfrm>
+            <a:off x="457200" y="274638"/>
+            <a:ext cx="8229600" cy="634082"/>
+          </a:xfrm>
+        </p:spPr>
         <p:txBody>
           <a:bodyPr/>
           <a:lstStyle/>
@@ -1310,7 +1316,12 @@
             <p:ph idx="1"/>
           </p:nvPr>
         </p:nvSpPr>
-        <p:spPr/>
+        <p:spPr>
+          <a:xfrm>
+            <a:off x="457200" y="1052736"/>
+            <a:ext cx="8229600" cy="5073427"/>
+          </a:xfrm>
+        </p:spPr>
         <p:txBody>
           <a:bodyPr/>
           <a:lstStyle/>
@@ -1402,7 +1413,7 @@
             <a:fld id="{E90ED720-0104-4369-84BC-D37694168613}" type="datetimeFigureOut">
               <a:rPr kumimoji="1" lang="ja-JP" altLang="en-US" smtClean="0"/>
               <a:pPr/>
-              <a:t>2017/4/12</a:t>
+              <a:t>2017/4/13</a:t>
             </a:fld>
             <a:endParaRPr kumimoji="1" lang="ja-JP" altLang="en-US"/>
           </a:p>
@@ -1445,7 +1456,7 @@
             <a:fld id="{D2D8002D-B5B0-4BAC-B1F6-782DDCCE6D9C}" type="slidenum">
               <a:rPr kumimoji="1" lang="ja-JP" altLang="en-US" smtClean="0"/>
               <a:pPr/>
-              <a:t>&lt;#&gt;</a:t>
+              <a:t>‹#›</a:t>
             </a:fld>
             <a:endParaRPr kumimoji="1" lang="ja-JP" altLang="en-US"/>
           </a:p>
@@ -1645,7 +1656,7 @@
             <a:fld id="{E90ED720-0104-4369-84BC-D37694168613}" type="datetimeFigureOut">
               <a:rPr kumimoji="1" lang="ja-JP" altLang="en-US" smtClean="0"/>
               <a:pPr/>
-              <a:t>2017/4/12</a:t>
+              <a:t>2017/4/13</a:t>
             </a:fld>
             <a:endParaRPr kumimoji="1" lang="ja-JP" altLang="en-US"/>
           </a:p>
@@ -1688,7 +1699,7 @@
             <a:fld id="{D2D8002D-B5B0-4BAC-B1F6-782DDCCE6D9C}" type="slidenum">
               <a:rPr kumimoji="1" lang="ja-JP" altLang="en-US" smtClean="0"/>
               <a:pPr/>
-              <a:t>&lt;#&gt;</a:t>
+              <a:t>‹#›</a:t>
             </a:fld>
             <a:endParaRPr kumimoji="1" lang="ja-JP" altLang="en-US"/>
           </a:p>
@@ -1994,7 +2005,7 @@
             <a:fld id="{E90ED720-0104-4369-84BC-D37694168613}" type="datetimeFigureOut">
               <a:rPr kumimoji="1" lang="ja-JP" altLang="en-US" smtClean="0"/>
               <a:pPr/>
-              <a:t>2017/4/12</a:t>
+              <a:t>2017/4/13</a:t>
             </a:fld>
             <a:endParaRPr kumimoji="1" lang="ja-JP" altLang="en-US"/>
           </a:p>
@@ -2037,7 +2048,7 @@
             <a:fld id="{D2D8002D-B5B0-4BAC-B1F6-782DDCCE6D9C}" type="slidenum">
               <a:rPr kumimoji="1" lang="ja-JP" altLang="en-US" smtClean="0"/>
               <a:pPr/>
-              <a:t>&lt;#&gt;</a:t>
+              <a:t>‹#›</a:t>
             </a:fld>
             <a:endParaRPr kumimoji="1" lang="ja-JP" altLang="en-US"/>
           </a:p>
@@ -2477,7 +2488,7 @@
             <a:fld id="{E90ED720-0104-4369-84BC-D37694168613}" type="datetimeFigureOut">
               <a:rPr kumimoji="1" lang="ja-JP" altLang="en-US" smtClean="0"/>
               <a:pPr/>
-              <a:t>2017/4/12</a:t>
+              <a:t>2017/4/13</a:t>
             </a:fld>
             <a:endParaRPr kumimoji="1" lang="ja-JP" altLang="en-US"/>
           </a:p>
@@ -2520,7 +2531,7 @@
             <a:fld id="{D2D8002D-B5B0-4BAC-B1F6-782DDCCE6D9C}" type="slidenum">
               <a:rPr kumimoji="1" lang="ja-JP" altLang="en-US" smtClean="0"/>
               <a:pPr/>
-              <a:t>&lt;#&gt;</a:t>
+              <a:t>‹#›</a:t>
             </a:fld>
             <a:endParaRPr kumimoji="1" lang="ja-JP" altLang="en-US"/>
           </a:p>
@@ -2592,7 +2603,7 @@
             <a:fld id="{E90ED720-0104-4369-84BC-D37694168613}" type="datetimeFigureOut">
               <a:rPr kumimoji="1" lang="ja-JP" altLang="en-US" smtClean="0"/>
               <a:pPr/>
-              <a:t>2017/4/12</a:t>
+              <a:t>2017/4/13</a:t>
             </a:fld>
             <a:endParaRPr kumimoji="1" lang="ja-JP" altLang="en-US"/>
           </a:p>
@@ -2635,7 +2646,7 @@
             <a:fld id="{D2D8002D-B5B0-4BAC-B1F6-782DDCCE6D9C}" type="slidenum">
               <a:rPr kumimoji="1" lang="ja-JP" altLang="en-US" smtClean="0"/>
               <a:pPr/>
-              <a:t>&lt;#&gt;</a:t>
+              <a:t>‹#›</a:t>
             </a:fld>
             <a:endParaRPr kumimoji="1" lang="ja-JP" altLang="en-US"/>
           </a:p>
@@ -2684,7 +2695,7 @@
             <a:fld id="{E90ED720-0104-4369-84BC-D37694168613}" type="datetimeFigureOut">
               <a:rPr kumimoji="1" lang="ja-JP" altLang="en-US" smtClean="0"/>
               <a:pPr/>
-              <a:t>2017/4/12</a:t>
+              <a:t>2017/4/13</a:t>
             </a:fld>
             <a:endParaRPr kumimoji="1" lang="ja-JP" altLang="en-US"/>
           </a:p>
@@ -2727,7 +2738,7 @@
             <a:fld id="{D2D8002D-B5B0-4BAC-B1F6-782DDCCE6D9C}" type="slidenum">
               <a:rPr kumimoji="1" lang="ja-JP" altLang="en-US" smtClean="0"/>
               <a:pPr/>
-              <a:t>&lt;#&gt;</a:t>
+              <a:t>‹#›</a:t>
             </a:fld>
             <a:endParaRPr kumimoji="1" lang="ja-JP" altLang="en-US"/>
           </a:p>
@@ -2990,7 +3001,7 @@
             <a:fld id="{E90ED720-0104-4369-84BC-D37694168613}" type="datetimeFigureOut">
               <a:rPr kumimoji="1" lang="ja-JP" altLang="en-US" smtClean="0"/>
               <a:pPr/>
-              <a:t>2017/4/12</a:t>
+              <a:t>2017/4/13</a:t>
             </a:fld>
             <a:endParaRPr kumimoji="1" lang="ja-JP" altLang="en-US"/>
           </a:p>
@@ -3033,7 +3044,7 @@
             <a:fld id="{D2D8002D-B5B0-4BAC-B1F6-782DDCCE6D9C}" type="slidenum">
               <a:rPr kumimoji="1" lang="ja-JP" altLang="en-US" smtClean="0"/>
               <a:pPr/>
-              <a:t>&lt;#&gt;</a:t>
+              <a:t>‹#›</a:t>
             </a:fld>
             <a:endParaRPr kumimoji="1" lang="ja-JP" altLang="en-US"/>
           </a:p>
@@ -3240,7 +3251,7 @@
             <a:fld id="{E90ED720-0104-4369-84BC-D37694168613}" type="datetimeFigureOut">
               <a:rPr kumimoji="1" lang="ja-JP" altLang="en-US" smtClean="0"/>
               <a:pPr/>
-              <a:t>2017/4/12</a:t>
+              <a:t>2017/4/13</a:t>
             </a:fld>
             <a:endParaRPr kumimoji="1" lang="ja-JP" altLang="en-US"/>
           </a:p>
@@ -3283,7 +3294,7 @@
             <a:fld id="{D2D8002D-B5B0-4BAC-B1F6-782DDCCE6D9C}" type="slidenum">
               <a:rPr kumimoji="1" lang="ja-JP" altLang="en-US" smtClean="0"/>
               <a:pPr/>
-              <a:t>&lt;#&gt;</a:t>
+              <a:t>‹#›</a:t>
             </a:fld>
             <a:endParaRPr kumimoji="1" lang="ja-JP" altLang="en-US"/>
           </a:p>
@@ -3482,7 +3493,7 @@
             <a:fld id="{E90ED720-0104-4369-84BC-D37694168613}" type="datetimeFigureOut">
               <a:rPr kumimoji="1" lang="ja-JP" altLang="en-US" smtClean="0"/>
               <a:pPr/>
-              <a:t>2017/4/12</a:t>
+              <a:t>2017/4/13</a:t>
             </a:fld>
             <a:endParaRPr kumimoji="1" lang="ja-JP" altLang="en-US"/>
           </a:p>
@@ -3561,7 +3572,7 @@
             <a:fld id="{D2D8002D-B5B0-4BAC-B1F6-782DDCCE6D9C}" type="slidenum">
               <a:rPr kumimoji="1" lang="ja-JP" altLang="en-US" smtClean="0"/>
               <a:pPr/>
-              <a:t>&lt;#&gt;</a:t>
+              <a:t>‹#›</a:t>
             </a:fld>
             <a:endParaRPr kumimoji="1" lang="ja-JP" altLang="en-US"/>
           </a:p>
@@ -5913,7 +5924,9 @@
         </p:nvSpPr>
         <p:spPr/>
         <p:txBody>
-          <a:bodyPr/>
+          <a:bodyPr>
+            <a:normAutofit fontScale="90000"/>
+          </a:bodyPr>
           <a:lstStyle/>
           <a:p>
             <a:endParaRPr kumimoji="1" lang="ja-JP" altLang="en-US" dirty="0"/>
@@ -6874,7 +6887,7 @@
     </p:spTree>
     <p:extLst>
       <p:ext uri="{BB962C8B-B14F-4D97-AF65-F5344CB8AC3E}">
-        <p14:creationId xmlns:p14="http://schemas.microsoft.com/office/powerpoint/2010/main" xmlns="" val="418308260"/>
+        <p14:creationId xmlns:p14="http://schemas.microsoft.com/office/powerpoint/2010/main" val="418308260"/>
       </p:ext>
     </p:extLst>
   </p:cSld>
@@ -6913,7 +6926,9 @@
         </p:nvSpPr>
         <p:spPr/>
         <p:txBody>
-          <a:bodyPr/>
+          <a:bodyPr>
+            <a:normAutofit fontScale="90000"/>
+          </a:bodyPr>
           <a:lstStyle/>
           <a:p>
             <a:endParaRPr kumimoji="1" lang="ja-JP" altLang="en-US"/>
@@ -6933,7 +6948,7 @@
         <p:spPr/>
         <p:txBody>
           <a:bodyPr>
-            <a:normAutofit fontScale="70000" lnSpcReduction="20000"/>
+            <a:normAutofit fontScale="77500" lnSpcReduction="20000"/>
           </a:bodyPr>
           <a:lstStyle/>
           <a:p>
@@ -6951,11 +6966,7 @@
             <a:pPr lvl="1"/>
             <a:r>
               <a:rPr lang="ja-JP" altLang="en-US" dirty="0" smtClean="0"/>
-              <a:t>今</a:t>
-            </a:r>
-            <a:r>
-              <a:rPr lang="ja-JP" altLang="en-US" dirty="0" smtClean="0"/>
-              <a:t>まで</a:t>
+              <a:t>今まで</a:t>
             </a:r>
             <a:endParaRPr lang="en-US" altLang="ja-JP" dirty="0" smtClean="0"/>
           </a:p>
@@ -7005,11 +7016,7 @@
             <a:pPr lvl="2"/>
             <a:r>
               <a:rPr lang="ja-JP" altLang="en-US" dirty="0" smtClean="0"/>
-              <a:t>同じ</a:t>
-            </a:r>
-            <a:r>
-              <a:rPr lang="ja-JP" altLang="en-US" dirty="0" smtClean="0"/>
-              <a:t>タイトルの異なる</a:t>
+              <a:t>同じタイトルの異なる</a:t>
             </a:r>
             <a:r>
               <a:rPr lang="en-US" altLang="ja-JP" dirty="0" smtClean="0"/>
@@ -7211,6 +7218,337 @@
         </p:txBody>
       </p:sp>
     </p:spTree>
+  </p:cSld>
+  <p:clrMapOvr>
+    <a:masterClrMapping/>
+  </p:clrMapOvr>
+</p:sld>
+</file>
+
+<file path=ppt/slides/slide6.xml><?xml version="1.0" encoding="utf-8"?>
+<p:sld xmlns:a="http://schemas.openxmlformats.org/drawingml/2006/main" xmlns:r="http://schemas.openxmlformats.org/officeDocument/2006/relationships" xmlns:p="http://schemas.openxmlformats.org/presentationml/2006/main">
+  <p:cSld>
+    <p:spTree>
+      <p:nvGrpSpPr>
+        <p:cNvPr id="1" name=""/>
+        <p:cNvGrpSpPr/>
+        <p:nvPr/>
+      </p:nvGrpSpPr>
+      <p:grpSpPr>
+        <a:xfrm>
+          <a:off x="0" y="0"/>
+          <a:ext cx="0" cy="0"/>
+          <a:chOff x="0" y="0"/>
+          <a:chExt cx="0" cy="0"/>
+        </a:xfrm>
+      </p:grpSpPr>
+      <p:sp>
+        <p:nvSpPr>
+          <p:cNvPr id="2" name="タイトル 1"/>
+          <p:cNvSpPr>
+            <a:spLocks noGrp="1"/>
+          </p:cNvSpPr>
+          <p:nvPr>
+            <p:ph type="title"/>
+          </p:nvPr>
+        </p:nvSpPr>
+        <p:spPr/>
+        <p:txBody>
+          <a:bodyPr>
+            <a:normAutofit fontScale="90000"/>
+          </a:bodyPr>
+          <a:lstStyle/>
+          <a:p>
+            <a:r>
+              <a:rPr kumimoji="1" lang="en-US" altLang="ja-JP" dirty="0" err="1" smtClean="0"/>
+              <a:t>ozu</a:t>
+            </a:r>
+            <a:r>
+              <a:rPr kumimoji="1" lang="en-US" altLang="ja-JP" dirty="0" smtClean="0"/>
+              <a:t>-PC</a:t>
+            </a:r>
+            <a:endParaRPr kumimoji="1" lang="ja-JP" altLang="en-US" dirty="0"/>
+          </a:p>
+        </p:txBody>
+      </p:sp>
+      <p:sp>
+        <p:nvSpPr>
+          <p:cNvPr id="3" name="コンテンツ プレースホルダー 2"/>
+          <p:cNvSpPr>
+            <a:spLocks noGrp="1"/>
+          </p:cNvSpPr>
+          <p:nvPr>
+            <p:ph idx="1"/>
+          </p:nvPr>
+        </p:nvSpPr>
+        <p:spPr>
+          <a:xfrm>
+            <a:off x="457200" y="3789040"/>
+            <a:ext cx="8229600" cy="2337123"/>
+          </a:xfrm>
+        </p:spPr>
+        <p:txBody>
+          <a:bodyPr/>
+          <a:lstStyle/>
+          <a:p>
+            <a:r>
+              <a:rPr lang="en-US" altLang="ja-JP" dirty="0" smtClean="0"/>
+              <a:t>Intel Core i7 4770</a:t>
+            </a:r>
+          </a:p>
+          <a:p>
+            <a:r>
+              <a:rPr kumimoji="1" lang="en-US" altLang="ja-JP" dirty="0" smtClean="0"/>
+              <a:t>Memory 16GB</a:t>
+            </a:r>
+          </a:p>
+          <a:p>
+            <a:r>
+              <a:rPr lang="en-US" altLang="ja-JP" dirty="0" smtClean="0"/>
+              <a:t>NVIDIA GeForce GTX650 </a:t>
+            </a:r>
+            <a:r>
+              <a:rPr lang="en-US" altLang="ja-JP" dirty="0" err="1" smtClean="0"/>
+              <a:t>Ti</a:t>
+            </a:r>
+            <a:endParaRPr lang="en-US" altLang="ja-JP" dirty="0" smtClean="0"/>
+          </a:p>
+          <a:p>
+            <a:endParaRPr kumimoji="1" lang="en-US" altLang="ja-JP" dirty="0" smtClean="0"/>
+          </a:p>
+        </p:txBody>
+      </p:sp>
+      <p:sp>
+        <p:nvSpPr>
+          <p:cNvPr id="4" name="タイトル 1"/>
+          <p:cNvSpPr txBox="1">
+            <a:spLocks/>
+          </p:cNvSpPr>
+          <p:nvPr/>
+        </p:nvSpPr>
+        <p:spPr>
+          <a:xfrm>
+            <a:off x="446856" y="3284984"/>
+            <a:ext cx="8229600" cy="634082"/>
+          </a:xfrm>
+          <a:prstGeom prst="rect">
+            <a:avLst/>
+          </a:prstGeom>
+        </p:spPr>
+        <p:txBody>
+          <a:bodyPr vert="horz" lIns="91440" tIns="45720" rIns="91440" bIns="45720" rtlCol="0" anchor="ctr">
+            <a:normAutofit fontScale="90000" lnSpcReduction="20000"/>
+          </a:bodyPr>
+          <a:lstStyle>
+            <a:lvl1pPr algn="ctr" defTabSz="914400" rtl="0" eaLnBrk="1" latinLnBrk="0" hangingPunct="1">
+              <a:spcBef>
+                <a:spcPct val="0"/>
+              </a:spcBef>
+              <a:buNone/>
+              <a:defRPr kumimoji="1" sz="4400" kern="1200">
+                <a:solidFill>
+                  <a:schemeClr val="tx1"/>
+                </a:solidFill>
+                <a:latin typeface="+mj-lt"/>
+                <a:ea typeface="+mj-ea"/>
+                <a:cs typeface="+mj-cs"/>
+              </a:defRPr>
+            </a:lvl1pPr>
+          </a:lstStyle>
+          <a:p>
+            <a:r>
+              <a:rPr lang="en-US" altLang="ja-JP" smtClean="0"/>
+              <a:t>Libra</a:t>
+            </a:r>
+            <a:endParaRPr lang="ja-JP" altLang="en-US" dirty="0"/>
+          </a:p>
+        </p:txBody>
+      </p:sp>
+      <p:sp>
+        <p:nvSpPr>
+          <p:cNvPr id="5" name="コンテンツ プレースホルダー 2"/>
+          <p:cNvSpPr txBox="1">
+            <a:spLocks/>
+          </p:cNvSpPr>
+          <p:nvPr/>
+        </p:nvSpPr>
+        <p:spPr>
+          <a:xfrm>
+            <a:off x="467544" y="908720"/>
+            <a:ext cx="8229600" cy="2337123"/>
+          </a:xfrm>
+          <a:prstGeom prst="rect">
+            <a:avLst/>
+          </a:prstGeom>
+        </p:spPr>
+        <p:txBody>
+          <a:bodyPr vert="horz" lIns="91440" tIns="45720" rIns="91440" bIns="45720" rtlCol="0">
+            <a:normAutofit/>
+          </a:bodyPr>
+          <a:lstStyle>
+            <a:lvl1pPr marL="342900" indent="-342900" algn="l" defTabSz="914400" rtl="0" eaLnBrk="1" latinLnBrk="0" hangingPunct="1">
+              <a:spcBef>
+                <a:spcPct val="20000"/>
+              </a:spcBef>
+              <a:buFont typeface="Arial" pitchFamily="34" charset="0"/>
+              <a:buChar char="•"/>
+              <a:defRPr kumimoji="1" sz="3200" kern="1200">
+                <a:solidFill>
+                  <a:schemeClr val="tx1"/>
+                </a:solidFill>
+                <a:latin typeface="+mn-lt"/>
+                <a:ea typeface="+mn-ea"/>
+                <a:cs typeface="+mn-cs"/>
+              </a:defRPr>
+            </a:lvl1pPr>
+            <a:lvl2pPr marL="742950" indent="-285750" algn="l" defTabSz="914400" rtl="0" eaLnBrk="1" latinLnBrk="0" hangingPunct="1">
+              <a:spcBef>
+                <a:spcPct val="20000"/>
+              </a:spcBef>
+              <a:buFont typeface="Arial" pitchFamily="34" charset="0"/>
+              <a:buChar char="–"/>
+              <a:defRPr kumimoji="1" sz="2800" kern="1200">
+                <a:solidFill>
+                  <a:schemeClr val="tx1"/>
+                </a:solidFill>
+                <a:latin typeface="+mn-lt"/>
+                <a:ea typeface="+mn-ea"/>
+                <a:cs typeface="+mn-cs"/>
+              </a:defRPr>
+            </a:lvl2pPr>
+            <a:lvl3pPr marL="1143000" indent="-228600" algn="l" defTabSz="914400" rtl="0" eaLnBrk="1" latinLnBrk="0" hangingPunct="1">
+              <a:spcBef>
+                <a:spcPct val="20000"/>
+              </a:spcBef>
+              <a:buFont typeface="Arial" pitchFamily="34" charset="0"/>
+              <a:buChar char="•"/>
+              <a:defRPr kumimoji="1" sz="2400" kern="1200">
+                <a:solidFill>
+                  <a:schemeClr val="tx1"/>
+                </a:solidFill>
+                <a:latin typeface="+mn-lt"/>
+                <a:ea typeface="+mn-ea"/>
+                <a:cs typeface="+mn-cs"/>
+              </a:defRPr>
+            </a:lvl3pPr>
+            <a:lvl4pPr marL="1600200" indent="-228600" algn="l" defTabSz="914400" rtl="0" eaLnBrk="1" latinLnBrk="0" hangingPunct="1">
+              <a:spcBef>
+                <a:spcPct val="20000"/>
+              </a:spcBef>
+              <a:buFont typeface="Arial" pitchFamily="34" charset="0"/>
+              <a:buChar char="–"/>
+              <a:defRPr kumimoji="1" sz="2000" kern="1200">
+                <a:solidFill>
+                  <a:schemeClr val="tx1"/>
+                </a:solidFill>
+                <a:latin typeface="+mn-lt"/>
+                <a:ea typeface="+mn-ea"/>
+                <a:cs typeface="+mn-cs"/>
+              </a:defRPr>
+            </a:lvl4pPr>
+            <a:lvl5pPr marL="2057400" indent="-228600" algn="l" defTabSz="914400" rtl="0" eaLnBrk="1" latinLnBrk="0" hangingPunct="1">
+              <a:spcBef>
+                <a:spcPct val="20000"/>
+              </a:spcBef>
+              <a:buFont typeface="Arial" pitchFamily="34" charset="0"/>
+              <a:buChar char="»"/>
+              <a:defRPr kumimoji="1" sz="2000" kern="1200">
+                <a:solidFill>
+                  <a:schemeClr val="tx1"/>
+                </a:solidFill>
+                <a:latin typeface="+mn-lt"/>
+                <a:ea typeface="+mn-ea"/>
+                <a:cs typeface="+mn-cs"/>
+              </a:defRPr>
+            </a:lvl5pPr>
+            <a:lvl6pPr marL="2514600" indent="-228600" algn="l" defTabSz="914400" rtl="0" eaLnBrk="1" latinLnBrk="0" hangingPunct="1">
+              <a:spcBef>
+                <a:spcPct val="20000"/>
+              </a:spcBef>
+              <a:buFont typeface="Arial" pitchFamily="34" charset="0"/>
+              <a:buChar char="•"/>
+              <a:defRPr kumimoji="1" sz="2000" kern="1200">
+                <a:solidFill>
+                  <a:schemeClr val="tx1"/>
+                </a:solidFill>
+                <a:latin typeface="+mn-lt"/>
+                <a:ea typeface="+mn-ea"/>
+                <a:cs typeface="+mn-cs"/>
+              </a:defRPr>
+            </a:lvl6pPr>
+            <a:lvl7pPr marL="2971800" indent="-228600" algn="l" defTabSz="914400" rtl="0" eaLnBrk="1" latinLnBrk="0" hangingPunct="1">
+              <a:spcBef>
+                <a:spcPct val="20000"/>
+              </a:spcBef>
+              <a:buFont typeface="Arial" pitchFamily="34" charset="0"/>
+              <a:buChar char="•"/>
+              <a:defRPr kumimoji="1" sz="2000" kern="1200">
+                <a:solidFill>
+                  <a:schemeClr val="tx1"/>
+                </a:solidFill>
+                <a:latin typeface="+mn-lt"/>
+                <a:ea typeface="+mn-ea"/>
+                <a:cs typeface="+mn-cs"/>
+              </a:defRPr>
+            </a:lvl7pPr>
+            <a:lvl8pPr marL="3429000" indent="-228600" algn="l" defTabSz="914400" rtl="0" eaLnBrk="1" latinLnBrk="0" hangingPunct="1">
+              <a:spcBef>
+                <a:spcPct val="20000"/>
+              </a:spcBef>
+              <a:buFont typeface="Arial" pitchFamily="34" charset="0"/>
+              <a:buChar char="•"/>
+              <a:defRPr kumimoji="1" sz="2000" kern="1200">
+                <a:solidFill>
+                  <a:schemeClr val="tx1"/>
+                </a:solidFill>
+                <a:latin typeface="+mn-lt"/>
+                <a:ea typeface="+mn-ea"/>
+                <a:cs typeface="+mn-cs"/>
+              </a:defRPr>
+            </a:lvl8pPr>
+            <a:lvl9pPr marL="3886200" indent="-228600" algn="l" defTabSz="914400" rtl="0" eaLnBrk="1" latinLnBrk="0" hangingPunct="1">
+              <a:spcBef>
+                <a:spcPct val="20000"/>
+              </a:spcBef>
+              <a:buFont typeface="Arial" pitchFamily="34" charset="0"/>
+              <a:buChar char="•"/>
+              <a:defRPr kumimoji="1" sz="2000" kern="1200">
+                <a:solidFill>
+                  <a:schemeClr val="tx1"/>
+                </a:solidFill>
+                <a:latin typeface="+mn-lt"/>
+                <a:ea typeface="+mn-ea"/>
+                <a:cs typeface="+mn-cs"/>
+              </a:defRPr>
+            </a:lvl9pPr>
+          </a:lstStyle>
+          <a:p>
+            <a:r>
+              <a:rPr lang="en-US" altLang="ja-JP" dirty="0" smtClean="0"/>
+              <a:t>Intel Core i5 2540M</a:t>
+            </a:r>
+          </a:p>
+          <a:p>
+            <a:r>
+              <a:rPr lang="en-US" altLang="ja-JP" dirty="0" smtClean="0"/>
+              <a:t>Memory 8GB</a:t>
+            </a:r>
+          </a:p>
+          <a:p>
+            <a:r>
+              <a:rPr lang="ja-JP" altLang="en-US" dirty="0" smtClean="0"/>
+              <a:t>グラボ無し</a:t>
+            </a:r>
+            <a:endParaRPr lang="en-US" altLang="ja-JP" dirty="0" smtClean="0"/>
+          </a:p>
+        </p:txBody>
+      </p:sp>
+    </p:spTree>
+    <p:extLst>
+      <p:ext uri="{BB962C8B-B14F-4D97-AF65-F5344CB8AC3E}">
+        <p14:creationId xmlns:p14="http://schemas.microsoft.com/office/powerpoint/2010/main" val="2996974900"/>
+      </p:ext>
+    </p:extLst>
   </p:cSld>
   <p:clrMapOvr>
     <a:masterClrMapping/>
